--- a/Presentations/Final Presentation.pptx
+++ b/Presentations/Final Presentation.pptx
@@ -14,18 +14,21 @@
     <p:sldId id="259" r:id="rId9"/>
     <p:sldId id="260" r:id="rId10"/>
     <p:sldId id="261" r:id="rId11"/>
+    <p:sldId id="262" r:id="rId12"/>
+    <p:sldId id="263" r:id="rId13"/>
+    <p:sldId id="264" r:id="rId14"/>
   </p:sldIdLst>
   <p:sldSz cy="5143500" cx="9144000"/>
   <p:notesSz cx="6858000" cy="9144000"/>
   <p:embeddedFontLst>
     <p:embeddedFont>
       <p:font typeface="Average"/>
-      <p:regular r:id="rId12"/>
+      <p:regular r:id="rId15"/>
     </p:embeddedFont>
     <p:embeddedFont>
       <p:font typeface="Oswald"/>
-      <p:regular r:id="rId13"/>
-      <p:bold r:id="rId14"/>
+      <p:regular r:id="rId16"/>
+      <p:bold r:id="rId17"/>
     </p:embeddedFont>
   </p:embeddedFontLst>
   <p:defaultTextStyle>
@@ -820,7 +823,7 @@
       </p:grpSpPr>
       <p:sp>
         <p:nvSpPr>
-          <p:cNvPr id="57" name="Google Shape;57;g19b27d8359b_0_69:notes"/>
+          <p:cNvPr id="57" name="Google Shape;57;g19c72197cbe_1_21:notes"/>
           <p:cNvSpPr/>
           <p:nvPr>
             <p:ph idx="2" type="sldImg"/>
@@ -855,7 +858,7 @@
       </p:sp>
       <p:sp>
         <p:nvSpPr>
-          <p:cNvPr id="58" name="Google Shape;58;g19b27d8359b_0_69:notes"/>
+          <p:cNvPr id="58" name="Google Shape;58;g19c72197cbe_1_21:notes"/>
           <p:cNvSpPr txBox="1"/>
           <p:nvPr>
             <p:ph idx="1" type="body"/>
@@ -905,7 +908,7 @@
   <p:cSld>
     <p:spTree>
       <p:nvGrpSpPr>
-        <p:cNvPr id="61" name="Shape 61"/>
+        <p:cNvPr id="62" name="Shape 62"/>
         <p:cNvGrpSpPr/>
         <p:nvPr/>
       </p:nvGrpSpPr>
@@ -919,7 +922,7 @@
       </p:grpSpPr>
       <p:sp>
         <p:nvSpPr>
-          <p:cNvPr id="62" name="Google Shape;62;g19b27d8359b_0_45:notes"/>
+          <p:cNvPr id="63" name="Google Shape;63;g19c72197cbe_0_3:notes"/>
           <p:cNvSpPr/>
           <p:nvPr>
             <p:ph idx="2" type="sldImg"/>
@@ -954,7 +957,7 @@
       </p:sp>
       <p:sp>
         <p:nvSpPr>
-          <p:cNvPr id="63" name="Google Shape;63;g19b27d8359b_0_45:notes"/>
+          <p:cNvPr id="64" name="Google Shape;64;g19c72197cbe_0_3:notes"/>
           <p:cNvSpPr txBox="1"/>
           <p:nvPr>
             <p:ph idx="1" type="body"/>
@@ -1004,7 +1007,7 @@
   <p:cSld>
     <p:spTree>
       <p:nvGrpSpPr>
-        <p:cNvPr id="67" name="Shape 67"/>
+        <p:cNvPr id="82" name="Shape 82"/>
         <p:cNvGrpSpPr/>
         <p:nvPr/>
       </p:nvGrpSpPr>
@@ -1018,7 +1021,7 @@
       </p:grpSpPr>
       <p:sp>
         <p:nvSpPr>
-          <p:cNvPr id="68" name="Google Shape;68;g19b27d8359b_0_55:notes"/>
+          <p:cNvPr id="83" name="Google Shape;83;g19c72197cbe_0_24:notes"/>
           <p:cNvSpPr/>
           <p:nvPr>
             <p:ph idx="2" type="sldImg"/>
@@ -1053,7 +1056,7 @@
       </p:sp>
       <p:sp>
         <p:nvSpPr>
-          <p:cNvPr id="69" name="Google Shape;69;g19b27d8359b_0_55:notes"/>
+          <p:cNvPr id="84" name="Google Shape;84;g19c72197cbe_0_24:notes"/>
           <p:cNvSpPr txBox="1"/>
           <p:nvPr>
             <p:ph idx="1" type="body"/>
@@ -1103,7 +1106,7 @@
   <p:cSld>
     <p:spTree>
       <p:nvGrpSpPr>
-        <p:cNvPr id="73" name="Shape 73"/>
+        <p:cNvPr id="97" name="Shape 97"/>
         <p:cNvGrpSpPr/>
         <p:nvPr/>
       </p:nvGrpSpPr>
@@ -1117,7 +1120,7 @@
       </p:grpSpPr>
       <p:sp>
         <p:nvSpPr>
-          <p:cNvPr id="74" name="Google Shape;74;g19b27d8359b_0_50:notes"/>
+          <p:cNvPr id="98" name="Google Shape;98;g19c72197cbe_1_0:notes"/>
           <p:cNvSpPr/>
           <p:nvPr>
             <p:ph idx="2" type="sldImg"/>
@@ -1152,7 +1155,7 @@
       </p:sp>
       <p:sp>
         <p:nvSpPr>
-          <p:cNvPr id="75" name="Google Shape;75;g19b27d8359b_0_50:notes"/>
+          <p:cNvPr id="99" name="Google Shape;99;g19c72197cbe_1_0:notes"/>
           <p:cNvSpPr txBox="1"/>
           <p:nvPr>
             <p:ph idx="1" type="body"/>
@@ -1202,7 +1205,7 @@
   <p:cSld>
     <p:spTree>
       <p:nvGrpSpPr>
-        <p:cNvPr id="79" name="Shape 79"/>
+        <p:cNvPr id="103" name="Shape 103"/>
         <p:cNvGrpSpPr/>
         <p:nvPr/>
       </p:nvGrpSpPr>
@@ -1216,7 +1219,7 @@
       </p:grpSpPr>
       <p:sp>
         <p:nvSpPr>
-          <p:cNvPr id="80" name="Google Shape;80;g19b27d8359b_0_61:notes"/>
+          <p:cNvPr id="104" name="Google Shape;104;g19c72197cbe_1_6:notes"/>
           <p:cNvSpPr/>
           <p:nvPr>
             <p:ph idx="2" type="sldImg"/>
@@ -1251,7 +1254,304 @@
       </p:sp>
       <p:sp>
         <p:nvSpPr>
-          <p:cNvPr id="81" name="Google Shape;81;g19b27d8359b_0_61:notes"/>
+          <p:cNvPr id="105" name="Google Shape;105;g19c72197cbe_1_6:notes"/>
+          <p:cNvSpPr txBox="1"/>
+          <p:nvPr>
+            <p:ph idx="1" type="body"/>
+          </p:nvPr>
+        </p:nvSpPr>
+        <p:spPr>
+          <a:xfrm>
+            <a:off x="685800" y="4343400"/>
+            <a:ext cx="5486400" cy="4114800"/>
+          </a:xfrm>
+          <a:prstGeom prst="rect">
+            <a:avLst/>
+          </a:prstGeom>
+        </p:spPr>
+        <p:txBody>
+          <a:bodyPr anchorCtr="0" anchor="t" bIns="91425" lIns="91425" spcFirstLastPara="1" rIns="91425" wrap="square" tIns="91425">
+            <a:noAutofit/>
+          </a:bodyPr>
+          <a:lstStyle/>
+          <a:p>
+            <a:pPr indent="0" lvl="0" marL="0" rtl="0" algn="l">
+              <a:spcBef>
+                <a:spcPts val="0"/>
+              </a:spcBef>
+              <a:spcAft>
+                <a:spcPts val="0"/>
+              </a:spcAft>
+              <a:buNone/>
+            </a:pPr>
+            <a:r>
+              <a:t/>
+            </a:r>
+            <a:endParaRPr/>
+          </a:p>
+        </p:txBody>
+      </p:sp>
+    </p:spTree>
+  </p:cSld>
+  <p:clrMapOvr>
+    <a:masterClrMapping/>
+  </p:clrMapOvr>
+</p:notes>
+</file>
+
+<file path=ppt/notesSlides/notesSlide7.xml><?xml version="1.0" encoding="utf-8"?>
+<p:notes xmlns:a="http://schemas.openxmlformats.org/drawingml/2006/main" xmlns:r="http://schemas.openxmlformats.org/officeDocument/2006/relationships" xmlns:mc="http://schemas.openxmlformats.org/markup-compatibility/2006" xmlns:mv="urn:schemas-microsoft-com:mac:vml" xmlns:p="http://schemas.openxmlformats.org/presentationml/2006/main" xmlns:c="http://schemas.openxmlformats.org/drawingml/2006/chart" xmlns:dgm="http://schemas.openxmlformats.org/drawingml/2006/diagram" xmlns:o="urn:schemas-microsoft-com:office:office" xmlns:v="urn:schemas-microsoft-com:vml" xmlns:pvml="urn:schemas-microsoft-com:office:powerpoint" xmlns:com="http://schemas.openxmlformats.org/drawingml/2006/compatibility" xmlns:p14="http://schemas.microsoft.com/office/powerpoint/2010/main" xmlns:p15="http://schemas.microsoft.com/office/powerpoint/2012/main" xmlns:ahyp="http://schemas.microsoft.com/office/drawing/2018/hyperlinkcolor" showMasterPhAnim="0" showMasterSp="0">
+  <p:cSld>
+    <p:spTree>
+      <p:nvGrpSpPr>
+        <p:cNvPr id="109" name="Shape 109"/>
+        <p:cNvGrpSpPr/>
+        <p:nvPr/>
+      </p:nvGrpSpPr>
+      <p:grpSpPr>
+        <a:xfrm>
+          <a:off x="0" y="0"/>
+          <a:ext cx="0" cy="0"/>
+          <a:chOff x="0" y="0"/>
+          <a:chExt cx="0" cy="0"/>
+        </a:xfrm>
+      </p:grpSpPr>
+      <p:sp>
+        <p:nvSpPr>
+          <p:cNvPr id="110" name="Google Shape;110;g19b27d8359b_0_55:notes"/>
+          <p:cNvSpPr/>
+          <p:nvPr>
+            <p:ph idx="2" type="sldImg"/>
+          </p:nvPr>
+        </p:nvSpPr>
+        <p:spPr>
+          <a:xfrm>
+            <a:off x="381300" y="685800"/>
+            <a:ext cx="6096000" cy="3429000"/>
+          </a:xfrm>
+          <a:custGeom>
+            <a:rect b="b" l="l" r="r" t="t"/>
+            <a:pathLst>
+              <a:path extrusionOk="0" h="120000" w="120000">
+                <a:moveTo>
+                  <a:pt x="0" y="0"/>
+                </a:moveTo>
+                <a:lnTo>
+                  <a:pt x="120000" y="0"/>
+                </a:lnTo>
+                <a:lnTo>
+                  <a:pt x="120000" y="120000"/>
+                </a:lnTo>
+                <a:lnTo>
+                  <a:pt x="0" y="120000"/>
+                </a:lnTo>
+                <a:close/>
+              </a:path>
+            </a:pathLst>
+          </a:custGeom>
+        </p:spPr>
+      </p:sp>
+      <p:sp>
+        <p:nvSpPr>
+          <p:cNvPr id="111" name="Google Shape;111;g19b27d8359b_0_55:notes"/>
+          <p:cNvSpPr txBox="1"/>
+          <p:nvPr>
+            <p:ph idx="1" type="body"/>
+          </p:nvPr>
+        </p:nvSpPr>
+        <p:spPr>
+          <a:xfrm>
+            <a:off x="685800" y="4343400"/>
+            <a:ext cx="5486400" cy="4114800"/>
+          </a:xfrm>
+          <a:prstGeom prst="rect">
+            <a:avLst/>
+          </a:prstGeom>
+        </p:spPr>
+        <p:txBody>
+          <a:bodyPr anchorCtr="0" anchor="t" bIns="91425" lIns="91425" spcFirstLastPara="1" rIns="91425" wrap="square" tIns="91425">
+            <a:noAutofit/>
+          </a:bodyPr>
+          <a:lstStyle/>
+          <a:p>
+            <a:pPr indent="0" lvl="0" marL="0" rtl="0" algn="l">
+              <a:spcBef>
+                <a:spcPts val="0"/>
+              </a:spcBef>
+              <a:spcAft>
+                <a:spcPts val="0"/>
+              </a:spcAft>
+              <a:buNone/>
+            </a:pPr>
+            <a:r>
+              <a:t/>
+            </a:r>
+            <a:endParaRPr/>
+          </a:p>
+        </p:txBody>
+      </p:sp>
+    </p:spTree>
+  </p:cSld>
+  <p:clrMapOvr>
+    <a:masterClrMapping/>
+  </p:clrMapOvr>
+</p:notes>
+</file>
+
+<file path=ppt/notesSlides/notesSlide8.xml><?xml version="1.0" encoding="utf-8"?>
+<p:notes xmlns:a="http://schemas.openxmlformats.org/drawingml/2006/main" xmlns:r="http://schemas.openxmlformats.org/officeDocument/2006/relationships" xmlns:mc="http://schemas.openxmlformats.org/markup-compatibility/2006" xmlns:mv="urn:schemas-microsoft-com:mac:vml" xmlns:p="http://schemas.openxmlformats.org/presentationml/2006/main" xmlns:c="http://schemas.openxmlformats.org/drawingml/2006/chart" xmlns:dgm="http://schemas.openxmlformats.org/drawingml/2006/diagram" xmlns:o="urn:schemas-microsoft-com:office:office" xmlns:v="urn:schemas-microsoft-com:vml" xmlns:pvml="urn:schemas-microsoft-com:office:powerpoint" xmlns:com="http://schemas.openxmlformats.org/drawingml/2006/compatibility" xmlns:p14="http://schemas.microsoft.com/office/powerpoint/2010/main" xmlns:p15="http://schemas.microsoft.com/office/powerpoint/2012/main" xmlns:ahyp="http://schemas.microsoft.com/office/drawing/2018/hyperlinkcolor" showMasterPhAnim="0" showMasterSp="0">
+  <p:cSld>
+    <p:spTree>
+      <p:nvGrpSpPr>
+        <p:cNvPr id="115" name="Shape 115"/>
+        <p:cNvGrpSpPr/>
+        <p:nvPr/>
+      </p:nvGrpSpPr>
+      <p:grpSpPr>
+        <a:xfrm>
+          <a:off x="0" y="0"/>
+          <a:ext cx="0" cy="0"/>
+          <a:chOff x="0" y="0"/>
+          <a:chExt cx="0" cy="0"/>
+        </a:xfrm>
+      </p:grpSpPr>
+      <p:sp>
+        <p:nvSpPr>
+          <p:cNvPr id="116" name="Google Shape;116;g19b27d8359b_0_50:notes"/>
+          <p:cNvSpPr/>
+          <p:nvPr>
+            <p:ph idx="2" type="sldImg"/>
+          </p:nvPr>
+        </p:nvSpPr>
+        <p:spPr>
+          <a:xfrm>
+            <a:off x="381300" y="685800"/>
+            <a:ext cx="6096000" cy="3429000"/>
+          </a:xfrm>
+          <a:custGeom>
+            <a:rect b="b" l="l" r="r" t="t"/>
+            <a:pathLst>
+              <a:path extrusionOk="0" h="120000" w="120000">
+                <a:moveTo>
+                  <a:pt x="0" y="0"/>
+                </a:moveTo>
+                <a:lnTo>
+                  <a:pt x="120000" y="0"/>
+                </a:lnTo>
+                <a:lnTo>
+                  <a:pt x="120000" y="120000"/>
+                </a:lnTo>
+                <a:lnTo>
+                  <a:pt x="0" y="120000"/>
+                </a:lnTo>
+                <a:close/>
+              </a:path>
+            </a:pathLst>
+          </a:custGeom>
+        </p:spPr>
+      </p:sp>
+      <p:sp>
+        <p:nvSpPr>
+          <p:cNvPr id="117" name="Google Shape;117;g19b27d8359b_0_50:notes"/>
+          <p:cNvSpPr txBox="1"/>
+          <p:nvPr>
+            <p:ph idx="1" type="body"/>
+          </p:nvPr>
+        </p:nvSpPr>
+        <p:spPr>
+          <a:xfrm>
+            <a:off x="685800" y="4343400"/>
+            <a:ext cx="5486400" cy="4114800"/>
+          </a:xfrm>
+          <a:prstGeom prst="rect">
+            <a:avLst/>
+          </a:prstGeom>
+        </p:spPr>
+        <p:txBody>
+          <a:bodyPr anchorCtr="0" anchor="t" bIns="91425" lIns="91425" spcFirstLastPara="1" rIns="91425" wrap="square" tIns="91425">
+            <a:noAutofit/>
+          </a:bodyPr>
+          <a:lstStyle/>
+          <a:p>
+            <a:pPr indent="0" lvl="0" marL="0" rtl="0" algn="l">
+              <a:spcBef>
+                <a:spcPts val="0"/>
+              </a:spcBef>
+              <a:spcAft>
+                <a:spcPts val="0"/>
+              </a:spcAft>
+              <a:buNone/>
+            </a:pPr>
+            <a:r>
+              <a:t/>
+            </a:r>
+            <a:endParaRPr/>
+          </a:p>
+        </p:txBody>
+      </p:sp>
+    </p:spTree>
+  </p:cSld>
+  <p:clrMapOvr>
+    <a:masterClrMapping/>
+  </p:clrMapOvr>
+</p:notes>
+</file>
+
+<file path=ppt/notesSlides/notesSlide9.xml><?xml version="1.0" encoding="utf-8"?>
+<p:notes xmlns:a="http://schemas.openxmlformats.org/drawingml/2006/main" xmlns:r="http://schemas.openxmlformats.org/officeDocument/2006/relationships" xmlns:mc="http://schemas.openxmlformats.org/markup-compatibility/2006" xmlns:mv="urn:schemas-microsoft-com:mac:vml" xmlns:p="http://schemas.openxmlformats.org/presentationml/2006/main" xmlns:c="http://schemas.openxmlformats.org/drawingml/2006/chart" xmlns:dgm="http://schemas.openxmlformats.org/drawingml/2006/diagram" xmlns:o="urn:schemas-microsoft-com:office:office" xmlns:v="urn:schemas-microsoft-com:vml" xmlns:pvml="urn:schemas-microsoft-com:office:powerpoint" xmlns:com="http://schemas.openxmlformats.org/drawingml/2006/compatibility" xmlns:p14="http://schemas.microsoft.com/office/powerpoint/2010/main" xmlns:p15="http://schemas.microsoft.com/office/powerpoint/2012/main" xmlns:ahyp="http://schemas.microsoft.com/office/drawing/2018/hyperlinkcolor" showMasterPhAnim="0" showMasterSp="0">
+  <p:cSld>
+    <p:spTree>
+      <p:nvGrpSpPr>
+        <p:cNvPr id="121" name="Shape 121"/>
+        <p:cNvGrpSpPr/>
+        <p:nvPr/>
+      </p:nvGrpSpPr>
+      <p:grpSpPr>
+        <a:xfrm>
+          <a:off x="0" y="0"/>
+          <a:ext cx="0" cy="0"/>
+          <a:chOff x="0" y="0"/>
+          <a:chExt cx="0" cy="0"/>
+        </a:xfrm>
+      </p:grpSpPr>
+      <p:sp>
+        <p:nvSpPr>
+          <p:cNvPr id="122" name="Google Shape;122;g19b27d8359b_0_61:notes"/>
+          <p:cNvSpPr/>
+          <p:nvPr>
+            <p:ph idx="2" type="sldImg"/>
+          </p:nvPr>
+        </p:nvSpPr>
+        <p:spPr>
+          <a:xfrm>
+            <a:off x="381300" y="685800"/>
+            <a:ext cx="6096000" cy="3429000"/>
+          </a:xfrm>
+          <a:custGeom>
+            <a:rect b="b" l="l" r="r" t="t"/>
+            <a:pathLst>
+              <a:path extrusionOk="0" h="120000" w="120000">
+                <a:moveTo>
+                  <a:pt x="0" y="0"/>
+                </a:moveTo>
+                <a:lnTo>
+                  <a:pt x="120000" y="0"/>
+                </a:lnTo>
+                <a:lnTo>
+                  <a:pt x="120000" y="120000"/>
+                </a:lnTo>
+                <a:lnTo>
+                  <a:pt x="0" y="120000"/>
+                </a:lnTo>
+                <a:close/>
+              </a:path>
+            </a:pathLst>
+          </a:custGeom>
+        </p:spPr>
+      </p:sp>
+      <p:sp>
+        <p:nvSpPr>
+          <p:cNvPr id="123" name="Google Shape;123;g19b27d8359b_0_61:notes"/>
           <p:cNvSpPr txBox="1"/>
           <p:nvPr>
             <p:ph idx="1" type="body"/>
@@ -6166,62 +6466,9 @@
           <a:chExt cx="0" cy="0"/>
         </a:xfrm>
       </p:grpSpPr>
-      <p:pic>
-        <p:nvPicPr>
-          <p:cNvPr id="60" name="Google Shape;60;p14"/>
-          <p:cNvPicPr preferRelativeResize="0"/>
-          <p:nvPr/>
-        </p:nvPicPr>
-        <p:blipFill>
-          <a:blip r:embed="rId3">
-            <a:alphaModFix/>
-          </a:blip>
-          <a:stretch>
-            <a:fillRect/>
-          </a:stretch>
-        </p:blipFill>
-        <p:spPr>
-          <a:xfrm>
-            <a:off x="2499199" y="326050"/>
-            <a:ext cx="3711451" cy="4491400"/>
-          </a:xfrm>
-          <a:prstGeom prst="rect">
-            <a:avLst/>
-          </a:prstGeom>
-          <a:noFill/>
-          <a:ln>
-            <a:noFill/>
-          </a:ln>
-        </p:spPr>
-      </p:pic>
-    </p:spTree>
-  </p:cSld>
-  <p:clrMapOvr>
-    <a:masterClrMapping/>
-  </p:clrMapOvr>
-</p:sld>
-</file>
-
-<file path=ppt/slides/slide3.xml><?xml version="1.0" encoding="utf-8"?>
-<p:sld xmlns:a="http://schemas.openxmlformats.org/drawingml/2006/main" xmlns:r="http://schemas.openxmlformats.org/officeDocument/2006/relationships" xmlns:mc="http://schemas.openxmlformats.org/markup-compatibility/2006" xmlns:mv="urn:schemas-microsoft-com:mac:vml" xmlns:p="http://schemas.openxmlformats.org/presentationml/2006/main" xmlns:c="http://schemas.openxmlformats.org/drawingml/2006/chart" xmlns:dgm="http://schemas.openxmlformats.org/drawingml/2006/diagram" xmlns:o="urn:schemas-microsoft-com:office:office" xmlns:v="urn:schemas-microsoft-com:vml" xmlns:pvml="urn:schemas-microsoft-com:office:powerpoint" xmlns:com="http://schemas.openxmlformats.org/drawingml/2006/compatibility" xmlns:p14="http://schemas.microsoft.com/office/powerpoint/2010/main" xmlns:p15="http://schemas.microsoft.com/office/powerpoint/2012/main" xmlns:ahyp="http://schemas.microsoft.com/office/drawing/2018/hyperlinkcolor">
-  <p:cSld>
-    <p:spTree>
-      <p:nvGrpSpPr>
-        <p:cNvPr id="64" name="Shape 64"/>
-        <p:cNvGrpSpPr/>
-        <p:nvPr/>
-      </p:nvGrpSpPr>
-      <p:grpSpPr>
-        <a:xfrm>
-          <a:off x="0" y="0"/>
-          <a:ext cx="0" cy="0"/>
-          <a:chOff x="0" y="0"/>
-          <a:chExt cx="0" cy="0"/>
-        </a:xfrm>
-      </p:grpSpPr>
       <p:sp>
         <p:nvSpPr>
-          <p:cNvPr id="65" name="Google Shape;65;p15"/>
+          <p:cNvPr id="60" name="Google Shape;60;p14"/>
           <p:cNvSpPr txBox="1"/>
           <p:nvPr>
             <p:ph type="title"/>
@@ -6252,30 +6499,604 @@
               <a:buNone/>
             </a:pPr>
             <a:r>
-              <a:rPr lang="en">
-                <a:latin typeface="Oswald"/>
-                <a:ea typeface="Oswald"/>
-                <a:cs typeface="Oswald"/>
-                <a:sym typeface="Oswald"/>
-              </a:rPr>
-              <a:t>UML - </a:t>
+              <a:rPr lang="en"/>
+              <a:t>DEMO</a:t>
+            </a:r>
+            <a:endParaRPr/>
+          </a:p>
+        </p:txBody>
+      </p:sp>
+      <p:sp>
+        <p:nvSpPr>
+          <p:cNvPr id="61" name="Google Shape;61;p14"/>
+          <p:cNvSpPr txBox="1"/>
+          <p:nvPr>
+            <p:ph idx="1" type="body"/>
+          </p:nvPr>
+        </p:nvSpPr>
+        <p:spPr>
+          <a:xfrm>
+            <a:off x="311700" y="1152475"/>
+            <a:ext cx="8520600" cy="3416400"/>
+          </a:xfrm>
+          <a:prstGeom prst="rect">
+            <a:avLst/>
+          </a:prstGeom>
+        </p:spPr>
+        <p:txBody>
+          <a:bodyPr anchorCtr="0" anchor="t" bIns="91425" lIns="91425" spcFirstLastPara="1" rIns="91425" wrap="square" tIns="91425">
+            <a:normAutofit/>
+          </a:bodyPr>
+          <a:lstStyle/>
+          <a:p>
+            <a:pPr indent="0" lvl="0" marL="0" rtl="0" algn="l">
+              <a:spcBef>
+                <a:spcPts val="0"/>
+              </a:spcBef>
+              <a:spcAft>
+                <a:spcPts val="0"/>
+              </a:spcAft>
+              <a:buNone/>
+            </a:pPr>
+            <a:r>
+              <a:rPr lang="en"/>
+              <a:t>Git: </a:t>
             </a:r>
             <a:r>
+              <a:rPr lang="en" sz="1100" u="sng">
+                <a:solidFill>
+                  <a:schemeClr val="hlink"/>
+                </a:solidFill>
+                <a:hlinkClick r:id="rId3"/>
+              </a:rPr>
+              <a:t>CSC4350-MW1/PosterJudging: Team10 (github.com)</a:t>
+            </a:r>
+            <a:endParaRPr/>
+          </a:p>
+          <a:p>
+            <a:pPr indent="0" lvl="0" marL="0" rtl="0" algn="l">
+              <a:spcBef>
+                <a:spcPts val="1200"/>
+              </a:spcBef>
+              <a:spcAft>
+                <a:spcPts val="1200"/>
+              </a:spcAft>
+              <a:buNone/>
+            </a:pPr>
+            <a:r>
+              <a:rPr lang="en" u="sng">
+                <a:solidFill>
+                  <a:schemeClr val="hlink"/>
+                </a:solidFill>
+                <a:hlinkClick r:id="rId4"/>
+              </a:rPr>
+              <a:t>Demo</a:t>
+            </a:r>
+            <a:endParaRPr/>
+          </a:p>
+        </p:txBody>
+      </p:sp>
+    </p:spTree>
+  </p:cSld>
+  <p:clrMapOvr>
+    <a:masterClrMapping/>
+  </p:clrMapOvr>
+</p:sld>
+</file>
+
+<file path=ppt/slides/slide3.xml><?xml version="1.0" encoding="utf-8"?>
+<p:sld xmlns:a="http://schemas.openxmlformats.org/drawingml/2006/main" xmlns:r="http://schemas.openxmlformats.org/officeDocument/2006/relationships" xmlns:mc="http://schemas.openxmlformats.org/markup-compatibility/2006" xmlns:mv="urn:schemas-microsoft-com:mac:vml" xmlns:p="http://schemas.openxmlformats.org/presentationml/2006/main" xmlns:c="http://schemas.openxmlformats.org/drawingml/2006/chart" xmlns:dgm="http://schemas.openxmlformats.org/drawingml/2006/diagram" xmlns:o="urn:schemas-microsoft-com:office:office" xmlns:v="urn:schemas-microsoft-com:vml" xmlns:pvml="urn:schemas-microsoft-com:office:powerpoint" xmlns:com="http://schemas.openxmlformats.org/drawingml/2006/compatibility" xmlns:p14="http://schemas.microsoft.com/office/powerpoint/2010/main" xmlns:p15="http://schemas.microsoft.com/office/powerpoint/2012/main" xmlns:ahyp="http://schemas.microsoft.com/office/drawing/2018/hyperlinkcolor">
+  <p:cSld>
+    <p:spTree>
+      <p:nvGrpSpPr>
+        <p:cNvPr id="65" name="Shape 65"/>
+        <p:cNvGrpSpPr/>
+        <p:nvPr/>
+      </p:nvGrpSpPr>
+      <p:grpSpPr>
+        <a:xfrm>
+          <a:off x="0" y="0"/>
+          <a:ext cx="0" cy="0"/>
+          <a:chOff x="0" y="0"/>
+          <a:chExt cx="0" cy="0"/>
+        </a:xfrm>
+      </p:grpSpPr>
+      <p:sp>
+        <p:nvSpPr>
+          <p:cNvPr id="66" name="Google Shape;66;p15"/>
+          <p:cNvSpPr/>
+          <p:nvPr/>
+        </p:nvSpPr>
+        <p:spPr>
+          <a:xfrm>
+            <a:off x="2832625" y="1017725"/>
+            <a:ext cx="3354600" cy="3926100"/>
+          </a:xfrm>
+          <a:prstGeom prst="rect">
+            <a:avLst/>
+          </a:prstGeom>
+          <a:solidFill>
+            <a:srgbClr val="E0E0E0"/>
+          </a:solidFill>
+          <a:ln cap="flat" cmpd="sng" w="9525">
+            <a:solidFill>
+              <a:srgbClr val="9E9E9E"/>
+            </a:solidFill>
+            <a:prstDash val="solid"/>
+            <a:round/>
+            <a:headEnd len="sm" w="sm" type="none"/>
+            <a:tailEnd len="sm" w="sm" type="none"/>
+          </a:ln>
+        </p:spPr>
+        <p:txBody>
+          <a:bodyPr anchorCtr="0" anchor="ctr" bIns="91425" lIns="91425" spcFirstLastPara="1" rIns="91425" wrap="square" tIns="91425">
+            <a:noAutofit/>
+          </a:bodyPr>
+          <a:lstStyle/>
+          <a:p>
+            <a:pPr indent="0" lvl="0" marL="0" rtl="0" algn="l">
+              <a:spcBef>
+                <a:spcPts val="0"/>
+              </a:spcBef>
+              <a:spcAft>
+                <a:spcPts val="0"/>
+              </a:spcAft>
+              <a:buNone/>
+            </a:pPr>
+            <a:r>
+              <a:t/>
+            </a:r>
+            <a:endParaRPr/>
+          </a:p>
+        </p:txBody>
+      </p:sp>
+      <p:sp>
+        <p:nvSpPr>
+          <p:cNvPr id="67" name="Google Shape;67;p15"/>
+          <p:cNvSpPr/>
+          <p:nvPr/>
+        </p:nvSpPr>
+        <p:spPr>
+          <a:xfrm>
+            <a:off x="3357625" y="1254825"/>
+            <a:ext cx="2304600" cy="572700"/>
+          </a:xfrm>
+          <a:prstGeom prst="ellipse">
+            <a:avLst/>
+          </a:prstGeom>
+          <a:solidFill>
+            <a:srgbClr val="E0E0E0"/>
+          </a:solidFill>
+          <a:ln cap="flat" cmpd="sng" w="9525">
+            <a:solidFill>
+              <a:srgbClr val="9E9E9E"/>
+            </a:solidFill>
+            <a:prstDash val="solid"/>
+            <a:round/>
+            <a:headEnd len="sm" w="sm" type="none"/>
+            <a:tailEnd len="sm" w="sm" type="none"/>
+          </a:ln>
+        </p:spPr>
+        <p:txBody>
+          <a:bodyPr anchorCtr="0" anchor="ctr" bIns="91425" lIns="91425" spcFirstLastPara="1" rIns="91425" wrap="square" tIns="91425">
+            <a:noAutofit/>
+          </a:bodyPr>
+          <a:lstStyle/>
+          <a:p>
+            <a:pPr indent="0" lvl="0" marL="0" rtl="0" algn="l">
+              <a:spcBef>
+                <a:spcPts val="0"/>
+              </a:spcBef>
+              <a:spcAft>
+                <a:spcPts val="0"/>
+              </a:spcAft>
+              <a:buNone/>
+            </a:pPr>
+            <a:r>
+              <a:rPr lang="en" sz="1300"/>
+              <a:t>Start Time Window </a:t>
+            </a:r>
+            <a:endParaRPr sz="1300"/>
+          </a:p>
+        </p:txBody>
+      </p:sp>
+      <p:sp>
+        <p:nvSpPr>
+          <p:cNvPr id="68" name="Google Shape;68;p15"/>
+          <p:cNvSpPr/>
+          <p:nvPr/>
+        </p:nvSpPr>
+        <p:spPr>
+          <a:xfrm>
+            <a:off x="3357625" y="2039775"/>
+            <a:ext cx="2304600" cy="572700"/>
+          </a:xfrm>
+          <a:prstGeom prst="ellipse">
+            <a:avLst/>
+          </a:prstGeom>
+          <a:solidFill>
+            <a:srgbClr val="E0E0E0"/>
+          </a:solidFill>
+          <a:ln cap="flat" cmpd="sng" w="9525">
+            <a:solidFill>
+              <a:srgbClr val="9E9E9E"/>
+            </a:solidFill>
+            <a:prstDash val="solid"/>
+            <a:round/>
+            <a:headEnd len="sm" w="sm" type="none"/>
+            <a:tailEnd len="sm" w="sm" type="none"/>
+          </a:ln>
+        </p:spPr>
+        <p:txBody>
+          <a:bodyPr anchorCtr="0" anchor="ctr" bIns="91425" lIns="91425" spcFirstLastPara="1" rIns="91425" wrap="square" tIns="91425">
+            <a:noAutofit/>
+          </a:bodyPr>
+          <a:lstStyle/>
+          <a:p>
+            <a:pPr indent="0" lvl="0" marL="0" rtl="0" algn="l">
+              <a:spcBef>
+                <a:spcPts val="0"/>
+              </a:spcBef>
+              <a:spcAft>
+                <a:spcPts val="0"/>
+              </a:spcAft>
+              <a:buNone/>
+            </a:pPr>
+            <a:r>
+              <a:rPr lang="en" sz="1200"/>
+              <a:t>Monitor Submissions </a:t>
+            </a:r>
+            <a:endParaRPr sz="1200"/>
+          </a:p>
+        </p:txBody>
+      </p:sp>
+      <p:sp>
+        <p:nvSpPr>
+          <p:cNvPr id="69" name="Google Shape;69;p15"/>
+          <p:cNvSpPr/>
+          <p:nvPr/>
+        </p:nvSpPr>
+        <p:spPr>
+          <a:xfrm>
+            <a:off x="3357625" y="2824725"/>
+            <a:ext cx="2304600" cy="572700"/>
+          </a:xfrm>
+          <a:prstGeom prst="ellipse">
+            <a:avLst/>
+          </a:prstGeom>
+          <a:solidFill>
+            <a:srgbClr val="E0E0E0"/>
+          </a:solidFill>
+          <a:ln cap="flat" cmpd="sng" w="9525">
+            <a:solidFill>
+              <a:srgbClr val="9E9E9E"/>
+            </a:solidFill>
+            <a:prstDash val="solid"/>
+            <a:round/>
+            <a:headEnd len="sm" w="sm" type="none"/>
+            <a:tailEnd len="sm" w="sm" type="none"/>
+          </a:ln>
+        </p:spPr>
+        <p:txBody>
+          <a:bodyPr anchorCtr="0" anchor="ctr" bIns="91425" lIns="91425" spcFirstLastPara="1" rIns="91425" wrap="square" tIns="91425">
+            <a:noAutofit/>
+          </a:bodyPr>
+          <a:lstStyle/>
+          <a:p>
+            <a:pPr indent="0" lvl="0" marL="0" rtl="0" algn="l">
+              <a:spcBef>
+                <a:spcPts val="0"/>
+              </a:spcBef>
+              <a:spcAft>
+                <a:spcPts val="0"/>
+              </a:spcAft>
+              <a:buNone/>
+            </a:pPr>
+            <a:r>
+              <a:rPr lang="en" sz="1300"/>
+              <a:t>Stop Time Window </a:t>
+            </a:r>
+            <a:endParaRPr sz="1300"/>
+          </a:p>
+        </p:txBody>
+      </p:sp>
+      <p:sp>
+        <p:nvSpPr>
+          <p:cNvPr id="70" name="Google Shape;70;p15"/>
+          <p:cNvSpPr/>
+          <p:nvPr/>
+        </p:nvSpPr>
+        <p:spPr>
+          <a:xfrm>
+            <a:off x="6870275" y="2039775"/>
+            <a:ext cx="1043700" cy="1304400"/>
+          </a:xfrm>
+          <a:prstGeom prst="can">
+            <a:avLst>
+              <a:gd fmla="val 25000" name="adj"/>
+            </a:avLst>
+          </a:prstGeom>
+          <a:solidFill>
+            <a:srgbClr val="E0E0E0"/>
+          </a:solidFill>
+          <a:ln cap="flat" cmpd="sng" w="9525">
+            <a:solidFill>
+              <a:srgbClr val="9E9E9E"/>
+            </a:solidFill>
+            <a:prstDash val="solid"/>
+            <a:round/>
+            <a:headEnd len="sm" w="sm" type="none"/>
+            <a:tailEnd len="sm" w="sm" type="none"/>
+          </a:ln>
+        </p:spPr>
+        <p:txBody>
+          <a:bodyPr anchorCtr="0" anchor="ctr" bIns="91425" lIns="91425" spcFirstLastPara="1" rIns="91425" wrap="square" tIns="91425">
+            <a:noAutofit/>
+          </a:bodyPr>
+          <a:lstStyle/>
+          <a:p>
+            <a:pPr indent="0" lvl="0" marL="0" rtl="0" algn="l">
+              <a:spcBef>
+                <a:spcPts val="0"/>
+              </a:spcBef>
+              <a:spcAft>
+                <a:spcPts val="0"/>
+              </a:spcAft>
+              <a:buNone/>
+            </a:pPr>
+            <a:r>
+              <a:rPr lang="en"/>
+              <a:t>Database </a:t>
+            </a:r>
+            <a:endParaRPr/>
+          </a:p>
+        </p:txBody>
+      </p:sp>
+      <p:sp>
+        <p:nvSpPr>
+          <p:cNvPr id="71" name="Google Shape;71;p15"/>
+          <p:cNvSpPr/>
+          <p:nvPr/>
+        </p:nvSpPr>
+        <p:spPr>
+          <a:xfrm>
+            <a:off x="3419700" y="3609675"/>
+            <a:ext cx="2304600" cy="572700"/>
+          </a:xfrm>
+          <a:prstGeom prst="ellipse">
+            <a:avLst/>
+          </a:prstGeom>
+          <a:solidFill>
+            <a:srgbClr val="E0E0E0"/>
+          </a:solidFill>
+          <a:ln cap="flat" cmpd="sng" w="9525">
+            <a:solidFill>
+              <a:srgbClr val="9E9E9E"/>
+            </a:solidFill>
+            <a:prstDash val="solid"/>
+            <a:round/>
+            <a:headEnd len="sm" w="sm" type="none"/>
+            <a:tailEnd len="sm" w="sm" type="none"/>
+          </a:ln>
+        </p:spPr>
+        <p:txBody>
+          <a:bodyPr anchorCtr="0" anchor="ctr" bIns="91425" lIns="91425" spcFirstLastPara="1" rIns="91425" wrap="square" tIns="91425">
+            <a:noAutofit/>
+          </a:bodyPr>
+          <a:lstStyle/>
+          <a:p>
+            <a:pPr indent="0" lvl="0" marL="0" rtl="0" algn="l">
+              <a:spcBef>
+                <a:spcPts val="0"/>
+              </a:spcBef>
+              <a:spcAft>
+                <a:spcPts val="0"/>
+              </a:spcAft>
+              <a:buNone/>
+            </a:pPr>
+            <a:r>
+              <a:rPr lang="en" sz="1300"/>
+              <a:t>Receives email of scores and winners </a:t>
+            </a:r>
+            <a:endParaRPr sz="1300"/>
+          </a:p>
+        </p:txBody>
+      </p:sp>
+      <p:sp>
+        <p:nvSpPr>
+          <p:cNvPr id="72" name="Google Shape;72;p15"/>
+          <p:cNvSpPr txBox="1"/>
+          <p:nvPr/>
+        </p:nvSpPr>
+        <p:spPr>
+          <a:xfrm>
+            <a:off x="1018750" y="3478700"/>
+            <a:ext cx="795000" cy="400200"/>
+          </a:xfrm>
+          <a:prstGeom prst="rect">
+            <a:avLst/>
+          </a:prstGeom>
+          <a:noFill/>
+          <a:ln>
+            <a:noFill/>
+          </a:ln>
+        </p:spPr>
+        <p:txBody>
+          <a:bodyPr anchorCtr="0" anchor="t" bIns="91425" lIns="91425" spcFirstLastPara="1" rIns="91425" wrap="square" tIns="91425">
+            <a:spAutoFit/>
+          </a:bodyPr>
+          <a:lstStyle/>
+          <a:p>
+            <a:pPr indent="0" lvl="0" marL="0" rtl="0" algn="l">
+              <a:spcBef>
+                <a:spcPts val="0"/>
+              </a:spcBef>
+              <a:spcAft>
+                <a:spcPts val="0"/>
+              </a:spcAft>
+              <a:buNone/>
+            </a:pPr>
+            <a:r>
               <a:rPr lang="en">
-                <a:latin typeface="Oswald"/>
-                <a:ea typeface="Oswald"/>
-                <a:cs typeface="Oswald"/>
-                <a:sym typeface="Oswald"/>
+                <a:solidFill>
+                  <a:schemeClr val="dk1"/>
+                </a:solidFill>
+                <a:latin typeface="Average"/>
+                <a:ea typeface="Average"/>
+                <a:cs typeface="Average"/>
+                <a:sym typeface="Average"/>
               </a:rPr>
-              <a:t>Demonstration of code </a:t>
+              <a:t>Admin</a:t>
             </a:r>
             <a:endParaRPr>
-              <a:latin typeface="Oswald"/>
-              <a:ea typeface="Oswald"/>
-              <a:cs typeface="Oswald"/>
-              <a:sym typeface="Oswald"/>
+              <a:solidFill>
+                <a:schemeClr val="dk1"/>
+              </a:solidFill>
+              <a:latin typeface="Average"/>
+              <a:ea typeface="Average"/>
+              <a:cs typeface="Average"/>
+              <a:sym typeface="Average"/>
             </a:endParaRPr>
           </a:p>
+        </p:txBody>
+      </p:sp>
+      <p:cxnSp>
+        <p:nvCxnSpPr>
+          <p:cNvPr id="73" name="Google Shape;73;p15"/>
+          <p:cNvCxnSpPr/>
+          <p:nvPr/>
+        </p:nvCxnSpPr>
+        <p:spPr>
+          <a:xfrm flipH="1">
+            <a:off x="5786375" y="3126200"/>
+            <a:ext cx="1083900" cy="752700"/>
+          </a:xfrm>
+          <a:prstGeom prst="straightConnector1">
+            <a:avLst/>
+          </a:prstGeom>
+          <a:noFill/>
+          <a:ln cap="flat" cmpd="sng" w="9525">
+            <a:solidFill>
+              <a:srgbClr val="9E9E9E"/>
+            </a:solidFill>
+            <a:prstDash val="solid"/>
+            <a:round/>
+            <a:headEnd len="med" w="med" type="none"/>
+            <a:tailEnd len="med" w="med" type="triangle"/>
+          </a:ln>
+        </p:spPr>
+      </p:cxnSp>
+      <p:cxnSp>
+        <p:nvCxnSpPr>
+          <p:cNvPr id="74" name="Google Shape;74;p15"/>
+          <p:cNvCxnSpPr>
+            <a:stCxn id="75" idx="3"/>
+            <a:endCxn id="67" idx="2"/>
+          </p:cNvCxnSpPr>
+          <p:nvPr/>
+        </p:nvCxnSpPr>
+        <p:spPr>
+          <a:xfrm flipH="1" rot="10800000">
+            <a:off x="1941625" y="1541175"/>
+            <a:ext cx="1416000" cy="1290900"/>
+          </a:xfrm>
+          <a:prstGeom prst="straightConnector1">
+            <a:avLst/>
+          </a:prstGeom>
+          <a:noFill/>
+          <a:ln cap="flat" cmpd="sng" w="9525">
+            <a:solidFill>
+              <a:srgbClr val="9E9E9E"/>
+            </a:solidFill>
+            <a:prstDash val="solid"/>
+            <a:round/>
+            <a:headEnd len="med" w="med" type="none"/>
+            <a:tailEnd len="med" w="med" type="triangle"/>
+          </a:ln>
+        </p:spPr>
+      </p:cxnSp>
+      <p:cxnSp>
+        <p:nvCxnSpPr>
+          <p:cNvPr id="76" name="Google Shape;76;p15"/>
+          <p:cNvCxnSpPr>
+            <a:stCxn id="75" idx="3"/>
+            <a:endCxn id="68" idx="2"/>
+          </p:cNvCxnSpPr>
+          <p:nvPr/>
+        </p:nvCxnSpPr>
+        <p:spPr>
+          <a:xfrm flipH="1" rot="10800000">
+            <a:off x="1941625" y="2326125"/>
+            <a:ext cx="1416000" cy="506100"/>
+          </a:xfrm>
+          <a:prstGeom prst="straightConnector1">
+            <a:avLst/>
+          </a:prstGeom>
+          <a:noFill/>
+          <a:ln cap="flat" cmpd="sng" w="9525">
+            <a:solidFill>
+              <a:srgbClr val="9E9E9E"/>
+            </a:solidFill>
+            <a:prstDash val="solid"/>
+            <a:round/>
+            <a:headEnd len="med" w="med" type="none"/>
+            <a:tailEnd len="med" w="med" type="triangle"/>
+          </a:ln>
+        </p:spPr>
+      </p:cxnSp>
+      <p:cxnSp>
+        <p:nvCxnSpPr>
+          <p:cNvPr id="77" name="Google Shape;77;p15"/>
+          <p:cNvCxnSpPr>
+            <a:stCxn id="75" idx="3"/>
+            <a:endCxn id="69" idx="2"/>
+          </p:cNvCxnSpPr>
+          <p:nvPr/>
+        </p:nvCxnSpPr>
+        <p:spPr>
+          <a:xfrm>
+            <a:off x="1941625" y="2832075"/>
+            <a:ext cx="1416000" cy="279000"/>
+          </a:xfrm>
+          <a:prstGeom prst="straightConnector1">
+            <a:avLst/>
+          </a:prstGeom>
+          <a:noFill/>
+          <a:ln cap="flat" cmpd="sng" w="9525">
+            <a:solidFill>
+              <a:srgbClr val="9E9E9E"/>
+            </a:solidFill>
+            <a:prstDash val="solid"/>
+            <a:round/>
+            <a:headEnd len="med" w="med" type="none"/>
+            <a:tailEnd len="med" w="med" type="triangle"/>
+          </a:ln>
+        </p:spPr>
+      </p:cxnSp>
+      <p:sp>
+        <p:nvSpPr>
+          <p:cNvPr id="78" name="Google Shape;78;p15"/>
+          <p:cNvSpPr txBox="1"/>
+          <p:nvPr/>
+        </p:nvSpPr>
+        <p:spPr>
+          <a:xfrm>
+            <a:off x="573425" y="460475"/>
+            <a:ext cx="1520400" cy="400200"/>
+          </a:xfrm>
+          <a:prstGeom prst="rect">
+            <a:avLst/>
+          </a:prstGeom>
+          <a:noFill/>
+          <a:ln>
+            <a:noFill/>
+          </a:ln>
+        </p:spPr>
+        <p:txBody>
+          <a:bodyPr anchorCtr="0" anchor="t" bIns="91425" lIns="91425" spcFirstLastPara="1" rIns="91425" wrap="square" tIns="91425">
+            <a:spAutoFit/>
+          </a:bodyPr>
+          <a:lstStyle/>
           <a:p>
             <a:pPr indent="0" lvl="0" marL="0" rtl="0" algn="l">
               <a:spcBef>
@@ -6295,7 +7116,7 @@
       </p:sp>
       <p:pic>
         <p:nvPicPr>
-          <p:cNvPr id="66" name="Google Shape;66;p15"/>
+          <p:cNvPr id="79" name="Google Shape;79;p15"/>
           <p:cNvPicPr preferRelativeResize="0"/>
           <p:nvPr/>
         </p:nvPicPr>
@@ -6309,8 +7130,8 @@
         </p:blipFill>
         <p:spPr>
           <a:xfrm>
-            <a:off x="1642575" y="1017725"/>
-            <a:ext cx="5933276" cy="3779426"/>
+            <a:off x="881863" y="1720400"/>
+            <a:ext cx="903525" cy="1807050"/>
           </a:xfrm>
           <a:prstGeom prst="rect">
             <a:avLst/>
@@ -6321,6 +7142,92 @@
           </a:ln>
         </p:spPr>
       </p:pic>
+      <p:sp>
+        <p:nvSpPr>
+          <p:cNvPr id="80" name="Google Shape;80;p15"/>
+          <p:cNvSpPr txBox="1"/>
+          <p:nvPr/>
+        </p:nvSpPr>
+        <p:spPr>
+          <a:xfrm>
+            <a:off x="1529150" y="2832400"/>
+            <a:ext cx="5004600" cy="400200"/>
+          </a:xfrm>
+          <a:prstGeom prst="rect">
+            <a:avLst/>
+          </a:prstGeom>
+          <a:noFill/>
+          <a:ln>
+            <a:noFill/>
+          </a:ln>
+        </p:spPr>
+        <p:txBody>
+          <a:bodyPr anchorCtr="0" anchor="t" bIns="91425" lIns="91425" spcFirstLastPara="1" rIns="91425" wrap="square" tIns="91425">
+            <a:spAutoFit/>
+          </a:bodyPr>
+          <a:lstStyle/>
+          <a:p>
+            <a:pPr indent="0" lvl="0" marL="0" rtl="0" algn="l">
+              <a:spcBef>
+                <a:spcPts val="0"/>
+              </a:spcBef>
+              <a:spcAft>
+                <a:spcPts val="0"/>
+              </a:spcAft>
+              <a:buNone/>
+            </a:pPr>
+            <a:r>
+              <a:t/>
+            </a:r>
+            <a:endParaRPr/>
+          </a:p>
+        </p:txBody>
+      </p:sp>
+      <p:sp>
+        <p:nvSpPr>
+          <p:cNvPr id="81" name="Google Shape;81;p15"/>
+          <p:cNvSpPr txBox="1"/>
+          <p:nvPr>
+            <p:ph type="title"/>
+          </p:nvPr>
+        </p:nvSpPr>
+        <p:spPr>
+          <a:xfrm>
+            <a:off x="311700" y="287975"/>
+            <a:ext cx="8520600" cy="572700"/>
+          </a:xfrm>
+          <a:prstGeom prst="rect">
+            <a:avLst/>
+          </a:prstGeom>
+        </p:spPr>
+        <p:txBody>
+          <a:bodyPr anchorCtr="0" anchor="t" bIns="91425" lIns="91425" spcFirstLastPara="1" rIns="91425" wrap="square" tIns="91425">
+            <a:normAutofit fontScale="90000"/>
+          </a:bodyPr>
+          <a:lstStyle/>
+          <a:p>
+            <a:pPr indent="0" lvl="0" marL="0" rtl="0" algn="l">
+              <a:spcBef>
+                <a:spcPts val="0"/>
+              </a:spcBef>
+              <a:spcAft>
+                <a:spcPts val="0"/>
+              </a:spcAft>
+              <a:buNone/>
+            </a:pPr>
+            <a:r>
+              <a:rPr lang="en">
+                <a:latin typeface="Oswald"/>
+                <a:ea typeface="Oswald"/>
+                <a:cs typeface="Oswald"/>
+                <a:sym typeface="Oswald"/>
+              </a:rPr>
+              <a:t>Use Case</a:t>
+            </a:r>
+            <a:endParaRPr/>
+          </a:p>
+        </p:txBody>
+      </p:sp>
     </p:spTree>
   </p:cSld>
   <p:clrMapOvr>
@@ -6334,7 +7241,7 @@
   <p:cSld>
     <p:spTree>
       <p:nvGrpSpPr>
-        <p:cNvPr id="70" name="Shape 70"/>
+        <p:cNvPr id="85" name="Shape 85"/>
         <p:cNvGrpSpPr/>
         <p:nvPr/>
       </p:nvGrpSpPr>
@@ -6348,7 +7255,7 @@
       </p:grpSpPr>
       <p:sp>
         <p:nvSpPr>
-          <p:cNvPr id="71" name="Google Shape;71;p16"/>
+          <p:cNvPr id="86" name="Google Shape;86;p16"/>
           <p:cNvSpPr txBox="1"/>
           <p:nvPr>
             <p:ph type="title"/>
@@ -6380,10 +7287,44 @@
             </a:pPr>
             <a:r>
               <a:rPr lang="en"/>
-              <a:t>Functional Requirements </a:t>
+              <a:t>Use Case</a:t>
             </a:r>
             <a:endParaRPr/>
           </a:p>
+        </p:txBody>
+      </p:sp>
+      <p:sp>
+        <p:nvSpPr>
+          <p:cNvPr id="87" name="Google Shape;87;p16"/>
+          <p:cNvSpPr/>
+          <p:nvPr/>
+        </p:nvSpPr>
+        <p:spPr>
+          <a:xfrm>
+            <a:off x="2832625" y="1017725"/>
+            <a:ext cx="3354600" cy="3926100"/>
+          </a:xfrm>
+          <a:prstGeom prst="rect">
+            <a:avLst/>
+          </a:prstGeom>
+          <a:solidFill>
+            <a:srgbClr val="E0E0E0"/>
+          </a:solidFill>
+          <a:ln cap="flat" cmpd="sng" w="9525">
+            <a:solidFill>
+              <a:srgbClr val="9E9E9E"/>
+            </a:solidFill>
+            <a:prstDash val="solid"/>
+            <a:round/>
+            <a:headEnd len="sm" w="sm" type="none"/>
+            <a:tailEnd len="sm" w="sm" type="none"/>
+          </a:ln>
+        </p:spPr>
+        <p:txBody>
+          <a:bodyPr anchorCtr="0" anchor="ctr" bIns="91425" lIns="91425" spcFirstLastPara="1" rIns="91425" wrap="square" tIns="91425">
+            <a:noAutofit/>
+          </a:bodyPr>
+          <a:lstStyle/>
           <a:p>
             <a:pPr indent="0" lvl="0" marL="0" rtl="0" algn="l">
               <a:spcBef>
@@ -6403,7 +7344,695 @@
       </p:sp>
       <p:sp>
         <p:nvSpPr>
-          <p:cNvPr id="72" name="Google Shape;72;p16"/>
+          <p:cNvPr id="88" name="Google Shape;88;p16"/>
+          <p:cNvSpPr/>
+          <p:nvPr/>
+        </p:nvSpPr>
+        <p:spPr>
+          <a:xfrm>
+            <a:off x="3357625" y="1720400"/>
+            <a:ext cx="2304600" cy="572700"/>
+          </a:xfrm>
+          <a:prstGeom prst="ellipse">
+            <a:avLst/>
+          </a:prstGeom>
+          <a:solidFill>
+            <a:srgbClr val="E0E0E0"/>
+          </a:solidFill>
+          <a:ln cap="flat" cmpd="sng" w="9525">
+            <a:solidFill>
+              <a:srgbClr val="9E9E9E"/>
+            </a:solidFill>
+            <a:prstDash val="solid"/>
+            <a:round/>
+            <a:headEnd len="sm" w="sm" type="none"/>
+            <a:tailEnd len="sm" w="sm" type="none"/>
+          </a:ln>
+        </p:spPr>
+        <p:txBody>
+          <a:bodyPr anchorCtr="0" anchor="ctr" bIns="91425" lIns="91425" spcFirstLastPara="1" rIns="91425" wrap="square" tIns="91425">
+            <a:noAutofit/>
+          </a:bodyPr>
+          <a:lstStyle/>
+          <a:p>
+            <a:pPr indent="0" lvl="0" marL="0" rtl="0" algn="l">
+              <a:spcBef>
+                <a:spcPts val="0"/>
+              </a:spcBef>
+              <a:spcAft>
+                <a:spcPts val="0"/>
+              </a:spcAft>
+              <a:buNone/>
+            </a:pPr>
+            <a:r>
+              <a:rPr lang="en" sz="1200"/>
+              <a:t>Select Poster Form </a:t>
+            </a:r>
+            <a:endParaRPr sz="1200"/>
+          </a:p>
+        </p:txBody>
+      </p:sp>
+      <p:sp>
+        <p:nvSpPr>
+          <p:cNvPr id="89" name="Google Shape;89;p16"/>
+          <p:cNvSpPr/>
+          <p:nvPr/>
+        </p:nvSpPr>
+        <p:spPr>
+          <a:xfrm>
+            <a:off x="3357625" y="2694425"/>
+            <a:ext cx="2619900" cy="572700"/>
+          </a:xfrm>
+          <a:prstGeom prst="ellipse">
+            <a:avLst/>
+          </a:prstGeom>
+          <a:solidFill>
+            <a:srgbClr val="E0E0E0"/>
+          </a:solidFill>
+          <a:ln cap="flat" cmpd="sng" w="9525">
+            <a:solidFill>
+              <a:srgbClr val="9E9E9E"/>
+            </a:solidFill>
+            <a:prstDash val="solid"/>
+            <a:round/>
+            <a:headEnd len="sm" w="sm" type="none"/>
+            <a:tailEnd len="sm" w="sm" type="none"/>
+          </a:ln>
+        </p:spPr>
+        <p:txBody>
+          <a:bodyPr anchorCtr="0" anchor="ctr" bIns="91425" lIns="91425" spcFirstLastPara="1" rIns="91425" wrap="square" tIns="91425">
+            <a:noAutofit/>
+          </a:bodyPr>
+          <a:lstStyle/>
+          <a:p>
+            <a:pPr indent="0" lvl="0" marL="0" rtl="0" algn="l">
+              <a:spcBef>
+                <a:spcPts val="0"/>
+              </a:spcBef>
+              <a:spcAft>
+                <a:spcPts val="0"/>
+              </a:spcAft>
+              <a:buNone/>
+            </a:pPr>
+            <a:r>
+              <a:rPr lang="en" sz="1200"/>
+              <a:t>Input grades into rubric </a:t>
+            </a:r>
+            <a:endParaRPr sz="1200"/>
+          </a:p>
+        </p:txBody>
+      </p:sp>
+      <p:sp>
+        <p:nvSpPr>
+          <p:cNvPr id="90" name="Google Shape;90;p16"/>
+          <p:cNvSpPr/>
+          <p:nvPr/>
+        </p:nvSpPr>
+        <p:spPr>
+          <a:xfrm>
+            <a:off x="6870275" y="2039775"/>
+            <a:ext cx="1043700" cy="1304400"/>
+          </a:xfrm>
+          <a:prstGeom prst="can">
+            <a:avLst>
+              <a:gd fmla="val 25000" name="adj"/>
+            </a:avLst>
+          </a:prstGeom>
+          <a:solidFill>
+            <a:srgbClr val="E0E0E0"/>
+          </a:solidFill>
+          <a:ln cap="flat" cmpd="sng" w="9525">
+            <a:solidFill>
+              <a:srgbClr val="9E9E9E"/>
+            </a:solidFill>
+            <a:prstDash val="solid"/>
+            <a:round/>
+            <a:headEnd len="sm" w="sm" type="none"/>
+            <a:tailEnd len="sm" w="sm" type="none"/>
+          </a:ln>
+        </p:spPr>
+        <p:txBody>
+          <a:bodyPr anchorCtr="0" anchor="ctr" bIns="91425" lIns="91425" spcFirstLastPara="1" rIns="91425" wrap="square" tIns="91425">
+            <a:noAutofit/>
+          </a:bodyPr>
+          <a:lstStyle/>
+          <a:p>
+            <a:pPr indent="0" lvl="0" marL="0" rtl="0" algn="l">
+              <a:spcBef>
+                <a:spcPts val="0"/>
+              </a:spcBef>
+              <a:spcAft>
+                <a:spcPts val="0"/>
+              </a:spcAft>
+              <a:buNone/>
+            </a:pPr>
+            <a:r>
+              <a:rPr lang="en"/>
+              <a:t>Database </a:t>
+            </a:r>
+            <a:endParaRPr/>
+          </a:p>
+        </p:txBody>
+      </p:sp>
+      <p:sp>
+        <p:nvSpPr>
+          <p:cNvPr id="91" name="Google Shape;91;p16"/>
+          <p:cNvSpPr/>
+          <p:nvPr/>
+        </p:nvSpPr>
+        <p:spPr>
+          <a:xfrm>
+            <a:off x="3419700" y="3668450"/>
+            <a:ext cx="2304600" cy="572700"/>
+          </a:xfrm>
+          <a:prstGeom prst="ellipse">
+            <a:avLst/>
+          </a:prstGeom>
+          <a:solidFill>
+            <a:srgbClr val="E0E0E0"/>
+          </a:solidFill>
+          <a:ln cap="flat" cmpd="sng" w="9525">
+            <a:solidFill>
+              <a:srgbClr val="9E9E9E"/>
+            </a:solidFill>
+            <a:prstDash val="solid"/>
+            <a:round/>
+            <a:headEnd len="sm" w="sm" type="none"/>
+            <a:tailEnd len="sm" w="sm" type="none"/>
+          </a:ln>
+        </p:spPr>
+        <p:txBody>
+          <a:bodyPr anchorCtr="0" anchor="ctr" bIns="91425" lIns="91425" spcFirstLastPara="1" rIns="91425" wrap="square" tIns="91425">
+            <a:noAutofit/>
+          </a:bodyPr>
+          <a:lstStyle/>
+          <a:p>
+            <a:pPr indent="0" lvl="0" marL="0" rtl="0" algn="l">
+              <a:spcBef>
+                <a:spcPts val="0"/>
+              </a:spcBef>
+              <a:spcAft>
+                <a:spcPts val="0"/>
+              </a:spcAft>
+              <a:buNone/>
+            </a:pPr>
+            <a:r>
+              <a:rPr lang="en" sz="1200"/>
+              <a:t>Wait for results from admin</a:t>
+            </a:r>
+            <a:endParaRPr sz="1200"/>
+          </a:p>
+        </p:txBody>
+      </p:sp>
+      <p:sp>
+        <p:nvSpPr>
+          <p:cNvPr id="92" name="Google Shape;92;p16"/>
+          <p:cNvSpPr txBox="1"/>
+          <p:nvPr/>
+        </p:nvSpPr>
+        <p:spPr>
+          <a:xfrm>
+            <a:off x="1018750" y="3478700"/>
+            <a:ext cx="795000" cy="400200"/>
+          </a:xfrm>
+          <a:prstGeom prst="rect">
+            <a:avLst/>
+          </a:prstGeom>
+          <a:noFill/>
+          <a:ln>
+            <a:noFill/>
+          </a:ln>
+        </p:spPr>
+        <p:txBody>
+          <a:bodyPr anchorCtr="0" anchor="t" bIns="91425" lIns="91425" spcFirstLastPara="1" rIns="91425" wrap="square" tIns="91425">
+            <a:spAutoFit/>
+          </a:bodyPr>
+          <a:lstStyle/>
+          <a:p>
+            <a:pPr indent="0" lvl="0" marL="0" rtl="0" algn="l">
+              <a:spcBef>
+                <a:spcPts val="0"/>
+              </a:spcBef>
+              <a:spcAft>
+                <a:spcPts val="0"/>
+              </a:spcAft>
+              <a:buNone/>
+            </a:pPr>
+            <a:r>
+              <a:rPr lang="en">
+                <a:solidFill>
+                  <a:schemeClr val="dk1"/>
+                </a:solidFill>
+                <a:latin typeface="Average"/>
+                <a:ea typeface="Average"/>
+                <a:cs typeface="Average"/>
+                <a:sym typeface="Average"/>
+              </a:rPr>
+              <a:t>User</a:t>
+            </a:r>
+            <a:endParaRPr>
+              <a:solidFill>
+                <a:schemeClr val="dk1"/>
+              </a:solidFill>
+              <a:latin typeface="Average"/>
+              <a:ea typeface="Average"/>
+              <a:cs typeface="Average"/>
+              <a:sym typeface="Average"/>
+            </a:endParaRPr>
+          </a:p>
+        </p:txBody>
+      </p:sp>
+      <p:cxnSp>
+        <p:nvCxnSpPr>
+          <p:cNvPr id="93" name="Google Shape;93;p16"/>
+          <p:cNvCxnSpPr/>
+          <p:nvPr/>
+        </p:nvCxnSpPr>
+        <p:spPr>
+          <a:xfrm flipH="1">
+            <a:off x="5786375" y="3126200"/>
+            <a:ext cx="1083900" cy="752700"/>
+          </a:xfrm>
+          <a:prstGeom prst="straightConnector1">
+            <a:avLst/>
+          </a:prstGeom>
+          <a:noFill/>
+          <a:ln cap="flat" cmpd="sng" w="9525">
+            <a:solidFill>
+              <a:srgbClr val="9E9E9E"/>
+            </a:solidFill>
+            <a:prstDash val="solid"/>
+            <a:round/>
+            <a:headEnd len="med" w="med" type="none"/>
+            <a:tailEnd len="med" w="med" type="triangle"/>
+          </a:ln>
+        </p:spPr>
+      </p:cxnSp>
+      <p:cxnSp>
+        <p:nvCxnSpPr>
+          <p:cNvPr id="94" name="Google Shape;94;p16"/>
+          <p:cNvCxnSpPr>
+            <a:endCxn id="88" idx="2"/>
+          </p:cNvCxnSpPr>
+          <p:nvPr/>
+        </p:nvCxnSpPr>
+        <p:spPr>
+          <a:xfrm flipH="1" rot="10800000">
+            <a:off x="1941625" y="2006750"/>
+            <a:ext cx="1416000" cy="506100"/>
+          </a:xfrm>
+          <a:prstGeom prst="straightConnector1">
+            <a:avLst/>
+          </a:prstGeom>
+          <a:noFill/>
+          <a:ln cap="flat" cmpd="sng" w="9525">
+            <a:solidFill>
+              <a:srgbClr val="9E9E9E"/>
+            </a:solidFill>
+            <a:prstDash val="solid"/>
+            <a:round/>
+            <a:headEnd len="med" w="med" type="none"/>
+            <a:tailEnd len="med" w="med" type="triangle"/>
+          </a:ln>
+        </p:spPr>
+      </p:cxnSp>
+      <p:cxnSp>
+        <p:nvCxnSpPr>
+          <p:cNvPr id="95" name="Google Shape;95;p16"/>
+          <p:cNvCxnSpPr>
+            <a:endCxn id="89" idx="2"/>
+          </p:cNvCxnSpPr>
+          <p:nvPr/>
+        </p:nvCxnSpPr>
+        <p:spPr>
+          <a:xfrm>
+            <a:off x="1941625" y="2701775"/>
+            <a:ext cx="1416000" cy="279000"/>
+          </a:xfrm>
+          <a:prstGeom prst="straightConnector1">
+            <a:avLst/>
+          </a:prstGeom>
+          <a:noFill/>
+          <a:ln cap="flat" cmpd="sng" w="9525">
+            <a:solidFill>
+              <a:srgbClr val="9E9E9E"/>
+            </a:solidFill>
+            <a:prstDash val="solid"/>
+            <a:round/>
+            <a:headEnd len="med" w="med" type="none"/>
+            <a:tailEnd len="med" w="med" type="triangle"/>
+          </a:ln>
+        </p:spPr>
+      </p:cxnSp>
+      <p:pic>
+        <p:nvPicPr>
+          <p:cNvPr id="96" name="Google Shape;96;p16"/>
+          <p:cNvPicPr preferRelativeResize="0"/>
+          <p:nvPr/>
+        </p:nvPicPr>
+        <p:blipFill>
+          <a:blip r:embed="rId3">
+            <a:alphaModFix/>
+          </a:blip>
+          <a:stretch>
+            <a:fillRect/>
+          </a:stretch>
+        </p:blipFill>
+        <p:spPr>
+          <a:xfrm>
+            <a:off x="881863" y="1720400"/>
+            <a:ext cx="903525" cy="1807050"/>
+          </a:xfrm>
+          <a:prstGeom prst="rect">
+            <a:avLst/>
+          </a:prstGeom>
+          <a:noFill/>
+          <a:ln>
+            <a:noFill/>
+          </a:ln>
+        </p:spPr>
+      </p:pic>
+    </p:spTree>
+  </p:cSld>
+  <p:clrMapOvr>
+    <a:masterClrMapping/>
+  </p:clrMapOvr>
+</p:sld>
+</file>
+
+<file path=ppt/slides/slide5.xml><?xml version="1.0" encoding="utf-8"?>
+<p:sld xmlns:a="http://schemas.openxmlformats.org/drawingml/2006/main" xmlns:r="http://schemas.openxmlformats.org/officeDocument/2006/relationships" xmlns:mc="http://schemas.openxmlformats.org/markup-compatibility/2006" xmlns:mv="urn:schemas-microsoft-com:mac:vml" xmlns:p="http://schemas.openxmlformats.org/presentationml/2006/main" xmlns:c="http://schemas.openxmlformats.org/drawingml/2006/chart" xmlns:dgm="http://schemas.openxmlformats.org/drawingml/2006/diagram" xmlns:o="urn:schemas-microsoft-com:office:office" xmlns:v="urn:schemas-microsoft-com:vml" xmlns:pvml="urn:schemas-microsoft-com:office:powerpoint" xmlns:com="http://schemas.openxmlformats.org/drawingml/2006/compatibility" xmlns:p14="http://schemas.microsoft.com/office/powerpoint/2010/main" xmlns:p15="http://schemas.microsoft.com/office/powerpoint/2012/main" xmlns:ahyp="http://schemas.microsoft.com/office/drawing/2018/hyperlinkcolor">
+  <p:cSld>
+    <p:spTree>
+      <p:nvGrpSpPr>
+        <p:cNvPr id="100" name="Shape 100"/>
+        <p:cNvGrpSpPr/>
+        <p:nvPr/>
+      </p:nvGrpSpPr>
+      <p:grpSpPr>
+        <a:xfrm>
+          <a:off x="0" y="0"/>
+          <a:ext cx="0" cy="0"/>
+          <a:chOff x="0" y="0"/>
+          <a:chExt cx="0" cy="0"/>
+        </a:xfrm>
+      </p:grpSpPr>
+      <p:sp>
+        <p:nvSpPr>
+          <p:cNvPr id="101" name="Google Shape;101;p17"/>
+          <p:cNvSpPr txBox="1"/>
+          <p:nvPr/>
+        </p:nvSpPr>
+        <p:spPr>
+          <a:xfrm>
+            <a:off x="544850" y="3814025"/>
+            <a:ext cx="8031300" cy="615600"/>
+          </a:xfrm>
+          <a:prstGeom prst="rect">
+            <a:avLst/>
+          </a:prstGeom>
+          <a:noFill/>
+          <a:ln>
+            <a:noFill/>
+          </a:ln>
+        </p:spPr>
+        <p:txBody>
+          <a:bodyPr anchorCtr="0" anchor="t" bIns="91425" lIns="91425" spcFirstLastPara="1" rIns="91425" wrap="square" tIns="91425">
+            <a:spAutoFit/>
+          </a:bodyPr>
+          <a:lstStyle/>
+          <a:p>
+            <a:pPr indent="-317500" lvl="0" marL="457200" rtl="0" algn="l">
+              <a:spcBef>
+                <a:spcPts val="0"/>
+              </a:spcBef>
+              <a:spcAft>
+                <a:spcPts val="0"/>
+              </a:spcAft>
+              <a:buClr>
+                <a:schemeClr val="dk1"/>
+              </a:buClr>
+              <a:buSzPts val="1400"/>
+              <a:buChar char="+"/>
+            </a:pPr>
+            <a:r>
+              <a:rPr lang="en">
+                <a:solidFill>
+                  <a:schemeClr val="dk1"/>
+                </a:solidFill>
+              </a:rPr>
+              <a:t>scoreAllProjects()</a:t>
+            </a:r>
+            <a:endParaRPr>
+              <a:solidFill>
+                <a:schemeClr val="dk1"/>
+              </a:solidFill>
+            </a:endParaRPr>
+          </a:p>
+          <a:p>
+            <a:pPr indent="-317500" lvl="0" marL="457200" rtl="0" algn="l">
+              <a:spcBef>
+                <a:spcPts val="0"/>
+              </a:spcBef>
+              <a:spcAft>
+                <a:spcPts val="0"/>
+              </a:spcAft>
+              <a:buClr>
+                <a:schemeClr val="dk1"/>
+              </a:buClr>
+              <a:buSzPts val="1400"/>
+              <a:buChar char="+"/>
+            </a:pPr>
+            <a:r>
+              <a:rPr lang="en">
+                <a:solidFill>
+                  <a:schemeClr val="dk1"/>
+                </a:solidFill>
+              </a:rPr>
+              <a:t>clearAllGradingAssignments()</a:t>
+            </a:r>
+            <a:endParaRPr>
+              <a:solidFill>
+                <a:schemeClr val="dk1"/>
+              </a:solidFill>
+            </a:endParaRPr>
+          </a:p>
+        </p:txBody>
+      </p:sp>
+      <p:pic>
+        <p:nvPicPr>
+          <p:cNvPr id="102" name="Google Shape;102;p17"/>
+          <p:cNvPicPr preferRelativeResize="0"/>
+          <p:nvPr/>
+        </p:nvPicPr>
+        <p:blipFill>
+          <a:blip r:embed="rId3">
+            <a:alphaModFix/>
+          </a:blip>
+          <a:stretch>
+            <a:fillRect/>
+          </a:stretch>
+        </p:blipFill>
+        <p:spPr>
+          <a:xfrm>
+            <a:off x="152400" y="152400"/>
+            <a:ext cx="8838075" cy="3389200"/>
+          </a:xfrm>
+          <a:prstGeom prst="rect">
+            <a:avLst/>
+          </a:prstGeom>
+          <a:noFill/>
+          <a:ln>
+            <a:noFill/>
+          </a:ln>
+        </p:spPr>
+      </p:pic>
+    </p:spTree>
+  </p:cSld>
+  <p:clrMapOvr>
+    <a:masterClrMapping/>
+  </p:clrMapOvr>
+</p:sld>
+</file>
+
+<file path=ppt/slides/slide6.xml><?xml version="1.0" encoding="utf-8"?>
+<p:sld xmlns:a="http://schemas.openxmlformats.org/drawingml/2006/main" xmlns:r="http://schemas.openxmlformats.org/officeDocument/2006/relationships" xmlns:mc="http://schemas.openxmlformats.org/markup-compatibility/2006" xmlns:mv="urn:schemas-microsoft-com:mac:vml" xmlns:p="http://schemas.openxmlformats.org/presentationml/2006/main" xmlns:c="http://schemas.openxmlformats.org/drawingml/2006/chart" xmlns:dgm="http://schemas.openxmlformats.org/drawingml/2006/diagram" xmlns:o="urn:schemas-microsoft-com:office:office" xmlns:v="urn:schemas-microsoft-com:vml" xmlns:pvml="urn:schemas-microsoft-com:office:powerpoint" xmlns:com="http://schemas.openxmlformats.org/drawingml/2006/compatibility" xmlns:p14="http://schemas.microsoft.com/office/powerpoint/2010/main" xmlns:p15="http://schemas.microsoft.com/office/powerpoint/2012/main" xmlns:ahyp="http://schemas.microsoft.com/office/drawing/2018/hyperlinkcolor">
+  <p:cSld>
+    <p:spTree>
+      <p:nvGrpSpPr>
+        <p:cNvPr id="106" name="Shape 106"/>
+        <p:cNvGrpSpPr/>
+        <p:nvPr/>
+      </p:nvGrpSpPr>
+      <p:grpSpPr>
+        <a:xfrm>
+          <a:off x="0" y="0"/>
+          <a:ext cx="0" cy="0"/>
+          <a:chOff x="0" y="0"/>
+          <a:chExt cx="0" cy="0"/>
+        </a:xfrm>
+      </p:grpSpPr>
+      <p:pic>
+        <p:nvPicPr>
+          <p:cNvPr id="107" name="Google Shape;107;p18"/>
+          <p:cNvPicPr preferRelativeResize="0"/>
+          <p:nvPr/>
+        </p:nvPicPr>
+        <p:blipFill>
+          <a:blip r:embed="rId3">
+            <a:alphaModFix/>
+          </a:blip>
+          <a:stretch>
+            <a:fillRect/>
+          </a:stretch>
+        </p:blipFill>
+        <p:spPr>
+          <a:xfrm>
+            <a:off x="152400" y="152400"/>
+            <a:ext cx="8839198" cy="3855446"/>
+          </a:xfrm>
+          <a:prstGeom prst="rect">
+            <a:avLst/>
+          </a:prstGeom>
+          <a:noFill/>
+          <a:ln>
+            <a:noFill/>
+          </a:ln>
+        </p:spPr>
+      </p:pic>
+      <p:sp>
+        <p:nvSpPr>
+          <p:cNvPr id="108" name="Google Shape;108;p18"/>
+          <p:cNvSpPr txBox="1"/>
+          <p:nvPr/>
+        </p:nvSpPr>
+        <p:spPr>
+          <a:xfrm>
+            <a:off x="381400" y="4206325"/>
+            <a:ext cx="8379900" cy="400200"/>
+          </a:xfrm>
+          <a:prstGeom prst="rect">
+            <a:avLst/>
+          </a:prstGeom>
+          <a:noFill/>
+          <a:ln>
+            <a:noFill/>
+          </a:ln>
+        </p:spPr>
+        <p:txBody>
+          <a:bodyPr anchorCtr="0" anchor="t" bIns="91425" lIns="91425" spcFirstLastPara="1" rIns="91425" wrap="square" tIns="91425">
+            <a:spAutoFit/>
+          </a:bodyPr>
+          <a:lstStyle/>
+          <a:p>
+            <a:pPr indent="0" lvl="0" marL="0" rtl="0" algn="l">
+              <a:spcBef>
+                <a:spcPts val="0"/>
+              </a:spcBef>
+              <a:spcAft>
+                <a:spcPts val="0"/>
+              </a:spcAft>
+              <a:buNone/>
+            </a:pPr>
+            <a:r>
+              <a:rPr lang="en">
+                <a:solidFill>
+                  <a:schemeClr val="dk1"/>
+                </a:solidFill>
+              </a:rPr>
+              <a:t>Trigger: HTTP GET trigger URL</a:t>
+            </a:r>
+            <a:endParaRPr>
+              <a:solidFill>
+                <a:schemeClr val="dk1"/>
+              </a:solidFill>
+            </a:endParaRPr>
+          </a:p>
+        </p:txBody>
+      </p:sp>
+    </p:spTree>
+  </p:cSld>
+  <p:clrMapOvr>
+    <a:masterClrMapping/>
+  </p:clrMapOvr>
+</p:sld>
+</file>
+
+<file path=ppt/slides/slide7.xml><?xml version="1.0" encoding="utf-8"?>
+<p:sld xmlns:a="http://schemas.openxmlformats.org/drawingml/2006/main" xmlns:r="http://schemas.openxmlformats.org/officeDocument/2006/relationships" xmlns:mc="http://schemas.openxmlformats.org/markup-compatibility/2006" xmlns:mv="urn:schemas-microsoft-com:mac:vml" xmlns:p="http://schemas.openxmlformats.org/presentationml/2006/main" xmlns:c="http://schemas.openxmlformats.org/drawingml/2006/chart" xmlns:dgm="http://schemas.openxmlformats.org/drawingml/2006/diagram" xmlns:o="urn:schemas-microsoft-com:office:office" xmlns:v="urn:schemas-microsoft-com:vml" xmlns:pvml="urn:schemas-microsoft-com:office:powerpoint" xmlns:com="http://schemas.openxmlformats.org/drawingml/2006/compatibility" xmlns:p14="http://schemas.microsoft.com/office/powerpoint/2010/main" xmlns:p15="http://schemas.microsoft.com/office/powerpoint/2012/main" xmlns:ahyp="http://schemas.microsoft.com/office/drawing/2018/hyperlinkcolor">
+  <p:cSld>
+    <p:spTree>
+      <p:nvGrpSpPr>
+        <p:cNvPr id="112" name="Shape 112"/>
+        <p:cNvGrpSpPr/>
+        <p:nvPr/>
+      </p:nvGrpSpPr>
+      <p:grpSpPr>
+        <a:xfrm>
+          <a:off x="0" y="0"/>
+          <a:ext cx="0" cy="0"/>
+          <a:chOff x="0" y="0"/>
+          <a:chExt cx="0" cy="0"/>
+        </a:xfrm>
+      </p:grpSpPr>
+      <p:sp>
+        <p:nvSpPr>
+          <p:cNvPr id="113" name="Google Shape;113;p19"/>
+          <p:cNvSpPr txBox="1"/>
+          <p:nvPr>
+            <p:ph type="title"/>
+          </p:nvPr>
+        </p:nvSpPr>
+        <p:spPr>
+          <a:xfrm>
+            <a:off x="311700" y="445025"/>
+            <a:ext cx="8520600" cy="572700"/>
+          </a:xfrm>
+          <a:prstGeom prst="rect">
+            <a:avLst/>
+          </a:prstGeom>
+        </p:spPr>
+        <p:txBody>
+          <a:bodyPr anchorCtr="0" anchor="t" bIns="91425" lIns="91425" spcFirstLastPara="1" rIns="91425" wrap="square" tIns="91425">
+            <a:normAutofit fontScale="90000"/>
+          </a:bodyPr>
+          <a:lstStyle/>
+          <a:p>
+            <a:pPr indent="0" lvl="0" marL="0" rtl="0" algn="l">
+              <a:spcBef>
+                <a:spcPts val="0"/>
+              </a:spcBef>
+              <a:spcAft>
+                <a:spcPts val="0"/>
+              </a:spcAft>
+              <a:buNone/>
+            </a:pPr>
+            <a:r>
+              <a:rPr lang="en"/>
+              <a:t>Functional Requirements </a:t>
+            </a:r>
+            <a:endParaRPr/>
+          </a:p>
+          <a:p>
+            <a:pPr indent="0" lvl="0" marL="0" rtl="0" algn="l">
+              <a:spcBef>
+                <a:spcPts val="0"/>
+              </a:spcBef>
+              <a:spcAft>
+                <a:spcPts val="0"/>
+              </a:spcAft>
+              <a:buNone/>
+            </a:pPr>
+            <a:r>
+              <a:t/>
+            </a:r>
+            <a:endParaRPr/>
+          </a:p>
+        </p:txBody>
+      </p:sp>
+      <p:sp>
+        <p:nvSpPr>
+          <p:cNvPr id="114" name="Google Shape;114;p19"/>
           <p:cNvSpPr txBox="1"/>
           <p:nvPr>
             <p:ph idx="1" type="body"/>
@@ -6526,12 +8155,12 @@
 </p:sld>
 </file>
 
-<file path=ppt/slides/slide5.xml><?xml version="1.0" encoding="utf-8"?>
+<file path=ppt/slides/slide8.xml><?xml version="1.0" encoding="utf-8"?>
 <p:sld xmlns:a="http://schemas.openxmlformats.org/drawingml/2006/main" xmlns:r="http://schemas.openxmlformats.org/officeDocument/2006/relationships" xmlns:mc="http://schemas.openxmlformats.org/markup-compatibility/2006" xmlns:mv="urn:schemas-microsoft-com:mac:vml" xmlns:p="http://schemas.openxmlformats.org/presentationml/2006/main" xmlns:c="http://schemas.openxmlformats.org/drawingml/2006/chart" xmlns:dgm="http://schemas.openxmlformats.org/drawingml/2006/diagram" xmlns:o="urn:schemas-microsoft-com:office:office" xmlns:v="urn:schemas-microsoft-com:vml" xmlns:pvml="urn:schemas-microsoft-com:office:powerpoint" xmlns:com="http://schemas.openxmlformats.org/drawingml/2006/compatibility" xmlns:p14="http://schemas.microsoft.com/office/powerpoint/2010/main" xmlns:p15="http://schemas.microsoft.com/office/powerpoint/2012/main" xmlns:ahyp="http://schemas.microsoft.com/office/drawing/2018/hyperlinkcolor">
   <p:cSld>
     <p:spTree>
       <p:nvGrpSpPr>
-        <p:cNvPr id="76" name="Shape 76"/>
+        <p:cNvPr id="118" name="Shape 118"/>
         <p:cNvGrpSpPr/>
         <p:nvPr/>
       </p:nvGrpSpPr>
@@ -6545,7 +8174,7 @@
       </p:grpSpPr>
       <p:sp>
         <p:nvSpPr>
-          <p:cNvPr id="77" name="Google Shape;77;p17"/>
+          <p:cNvPr id="119" name="Google Shape;119;p20"/>
           <p:cNvSpPr txBox="1"/>
           <p:nvPr>
             <p:ph type="title"/>
@@ -6593,7 +8222,7 @@
       </p:sp>
       <p:sp>
         <p:nvSpPr>
-          <p:cNvPr id="78" name="Google Shape;78;p17"/>
+          <p:cNvPr id="120" name="Google Shape;120;p20"/>
           <p:cNvSpPr txBox="1"/>
           <p:nvPr>
             <p:ph idx="1" type="body"/>
@@ -6708,12 +8337,12 @@
 </p:sld>
 </file>
 
-<file path=ppt/slides/slide6.xml><?xml version="1.0" encoding="utf-8"?>
+<file path=ppt/slides/slide9.xml><?xml version="1.0" encoding="utf-8"?>
 <p:sld xmlns:a="http://schemas.openxmlformats.org/drawingml/2006/main" xmlns:r="http://schemas.openxmlformats.org/officeDocument/2006/relationships" xmlns:mc="http://schemas.openxmlformats.org/markup-compatibility/2006" xmlns:mv="urn:schemas-microsoft-com:mac:vml" xmlns:p="http://schemas.openxmlformats.org/presentationml/2006/main" xmlns:c="http://schemas.openxmlformats.org/drawingml/2006/chart" xmlns:dgm="http://schemas.openxmlformats.org/drawingml/2006/diagram" xmlns:o="urn:schemas-microsoft-com:office:office" xmlns:v="urn:schemas-microsoft-com:vml" xmlns:pvml="urn:schemas-microsoft-com:office:powerpoint" xmlns:com="http://schemas.openxmlformats.org/drawingml/2006/compatibility" xmlns:p14="http://schemas.microsoft.com/office/powerpoint/2010/main" xmlns:p15="http://schemas.microsoft.com/office/powerpoint/2012/main" xmlns:ahyp="http://schemas.microsoft.com/office/drawing/2018/hyperlinkcolor">
   <p:cSld>
     <p:spTree>
       <p:nvGrpSpPr>
-        <p:cNvPr id="82" name="Shape 82"/>
+        <p:cNvPr id="124" name="Shape 124"/>
         <p:cNvGrpSpPr/>
         <p:nvPr/>
       </p:nvGrpSpPr>
@@ -6727,7 +8356,7 @@
       </p:grpSpPr>
       <p:sp>
         <p:nvSpPr>
-          <p:cNvPr id="83" name="Google Shape;83;p18"/>
+          <p:cNvPr id="125" name="Google Shape;125;p21"/>
           <p:cNvSpPr txBox="1"/>
           <p:nvPr>
             <p:ph type="title"/>
@@ -6777,7 +8406,7 @@
       </p:sp>
       <p:sp>
         <p:nvSpPr>
-          <p:cNvPr id="84" name="Google Shape;84;p18"/>
+          <p:cNvPr id="126" name="Google Shape;126;p21"/>
           <p:cNvSpPr txBox="1"/>
           <p:nvPr>
             <p:ph idx="1" type="body"/>
@@ -6794,7 +8423,7 @@
         </p:spPr>
         <p:txBody>
           <a:bodyPr anchorCtr="0" anchor="t" bIns="91425" lIns="91425" spcFirstLastPara="1" rIns="91425" wrap="square" tIns="91425">
-            <a:normAutofit fontScale="32500" lnSpcReduction="10000"/>
+            <a:normAutofit fontScale="32500" lnSpcReduction="20000"/>
           </a:bodyPr>
           <a:lstStyle/>
           <a:p>
@@ -6997,6 +8626,23 @@
             <a:endParaRPr sz="3128"/>
           </a:p>
           <a:p>
+            <a:pPr indent="-293169" lvl="0" marL="457200" rtl="0" algn="l">
+              <a:spcBef>
+                <a:spcPts val="0"/>
+              </a:spcBef>
+              <a:spcAft>
+                <a:spcPts val="0"/>
+              </a:spcAft>
+              <a:buSzPct val="100000"/>
+              <a:buChar char="-"/>
+            </a:pPr>
+            <a:r>
+              <a:rPr lang="en" sz="3128"/>
+              <a:t>Learning to implement new tools in an application </a:t>
+            </a:r>
+            <a:endParaRPr sz="3128"/>
+          </a:p>
+          <a:p>
             <a:pPr indent="0" lvl="0" marL="457200" rtl="0" algn="l">
               <a:spcBef>
                 <a:spcPts val="1200"/>
@@ -7022,6 +8668,285 @@
 </file>
 
 <file path=ppt/theme/theme1.xml><?xml version="1.0" encoding="utf-8"?>
+<a:theme xmlns:a="http://schemas.openxmlformats.org/drawingml/2006/main" xmlns:r="http://schemas.openxmlformats.org/officeDocument/2006/relationships">
+  <a:themeElements>
+    <a:clrScheme name="Default">
+      <a:dk1>
+        <a:srgbClr val="000000"/>
+      </a:dk1>
+      <a:lt1>
+        <a:srgbClr val="FFFFFF"/>
+      </a:lt1>
+      <a:dk2>
+        <a:srgbClr val="158158"/>
+      </a:dk2>
+      <a:lt2>
+        <a:srgbClr val="F3F3F3"/>
+      </a:lt2>
+      <a:accent1>
+        <a:srgbClr val="058DC7"/>
+      </a:accent1>
+      <a:accent2>
+        <a:srgbClr val="50B432"/>
+      </a:accent2>
+      <a:accent3>
+        <a:srgbClr val="ED561B"/>
+      </a:accent3>
+      <a:accent4>
+        <a:srgbClr val="EDEF00"/>
+      </a:accent4>
+      <a:accent5>
+        <a:srgbClr val="24CBE5"/>
+      </a:accent5>
+      <a:accent6>
+        <a:srgbClr val="64E572"/>
+      </a:accent6>
+      <a:hlink>
+        <a:srgbClr val="2200CC"/>
+      </a:hlink>
+      <a:folHlink>
+        <a:srgbClr val="551A8B"/>
+      </a:folHlink>
+    </a:clrScheme>
+    <a:fontScheme name="Office">
+      <a:majorFont>
+        <a:latin typeface="Arial"/>
+        <a:ea typeface=""/>
+        <a:cs typeface=""/>
+        <a:font script="Jpan" typeface="ＭＳ Ｐゴシック"/>
+        <a:font script="Hang" typeface="맑은 고딕"/>
+        <a:font script="Hans" typeface="宋体"/>
+        <a:font script="Hant" typeface="新細明體"/>
+        <a:font script="Arab" typeface="Times New Roman"/>
+        <a:font script="Hebr" typeface="Times New Roman"/>
+        <a:font script="Thai" typeface="Angsana New"/>
+        <a:font script="Ethi" typeface="Nyala"/>
+        <a:font script="Beng" typeface="Vrinda"/>
+        <a:font script="Gujr" typeface="Shruti"/>
+        <a:font script="Khmr" typeface="MoolBoran"/>
+        <a:font script="Knda" typeface="Tunga"/>
+        <a:font script="Guru" typeface="Raavi"/>
+        <a:font script="Cans" typeface="Euphemia"/>
+        <a:font script="Cher" typeface="Plantagenet Cherokee"/>
+        <a:font script="Yiii" typeface="Microsoft Yi Baiti"/>
+        <a:font script="Tibt" typeface="Microsoft Himalaya"/>
+        <a:font script="Thaa" typeface="MV Boli"/>
+        <a:font script="Deva" typeface="Mangal"/>
+        <a:font script="Telu" typeface="Gautami"/>
+        <a:font script="Taml" typeface="Latha"/>
+        <a:font script="Syrc" typeface="Estrangelo Edessa"/>
+        <a:font script="Orya" typeface="Kalinga"/>
+        <a:font script="Mlym" typeface="Kartika"/>
+        <a:font script="Laoo" typeface="DokChampa"/>
+        <a:font script="Sinh" typeface="Iskoola Pota"/>
+        <a:font script="Mong" typeface="Mongolian Baiti"/>
+        <a:font script="Viet" typeface="Times New Roman"/>
+        <a:font script="Uigh" typeface="Microsoft Uighur"/>
+        <a:font script="Geor" typeface="Sylfaen"/>
+      </a:majorFont>
+      <a:minorFont>
+        <a:latin typeface="Arial"/>
+        <a:ea typeface=""/>
+        <a:cs typeface=""/>
+        <a:font script="Jpan" typeface="ＭＳ Ｐゴシック"/>
+        <a:font script="Hang" typeface="맑은 고딕"/>
+        <a:font script="Hans" typeface="宋体"/>
+        <a:font script="Hant" typeface="新細明體"/>
+        <a:font script="Arab" typeface="Arial"/>
+        <a:font script="Hebr" typeface="Arial"/>
+        <a:font script="Thai" typeface="Cordia New"/>
+        <a:font script="Ethi" typeface="Nyala"/>
+        <a:font script="Beng" typeface="Vrinda"/>
+        <a:font script="Gujr" typeface="Shruti"/>
+        <a:font script="Khmr" typeface="DaunPenh"/>
+        <a:font script="Knda" typeface="Tunga"/>
+        <a:font script="Guru" typeface="Raavi"/>
+        <a:font script="Cans" typeface="Euphemia"/>
+        <a:font script="Cher" typeface="Plantagenet Cherokee"/>
+        <a:font script="Yiii" typeface="Microsoft Yi Baiti"/>
+        <a:font script="Tibt" typeface="Microsoft Himalaya"/>
+        <a:font script="Thaa" typeface="MV Boli"/>
+        <a:font script="Deva" typeface="Mangal"/>
+        <a:font script="Telu" typeface="Gautami"/>
+        <a:font script="Taml" typeface="Latha"/>
+        <a:font script="Syrc" typeface="Estrangelo Edessa"/>
+        <a:font script="Orya" typeface="Kalinga"/>
+        <a:font script="Mlym" typeface="Kartika"/>
+        <a:font script="Laoo" typeface="DokChampa"/>
+        <a:font script="Sinh" typeface="Iskoola Pota"/>
+        <a:font script="Mong" typeface="Mongolian Baiti"/>
+        <a:font script="Viet" typeface="Arial"/>
+        <a:font script="Uigh" typeface="Microsoft Uighur"/>
+        <a:font script="Geor" typeface="Sylfaen"/>
+      </a:minorFont>
+    </a:fontScheme>
+    <a:fmtScheme name="Office">
+      <a:fillStyleLst>
+        <a:solidFill>
+          <a:schemeClr val="phClr"/>
+        </a:solidFill>
+        <a:gradFill rotWithShape="1">
+          <a:gsLst>
+            <a:gs pos="0">
+              <a:schemeClr val="phClr">
+                <a:tint val="50000"/>
+                <a:satMod val="300000"/>
+              </a:schemeClr>
+            </a:gs>
+            <a:gs pos="35000">
+              <a:schemeClr val="phClr">
+                <a:tint val="37000"/>
+                <a:satMod val="300000"/>
+              </a:schemeClr>
+            </a:gs>
+            <a:gs pos="100000">
+              <a:schemeClr val="phClr">
+                <a:tint val="15000"/>
+                <a:satMod val="350000"/>
+              </a:schemeClr>
+            </a:gs>
+          </a:gsLst>
+          <a:lin ang="16200000" scaled="1"/>
+        </a:gradFill>
+        <a:gradFill rotWithShape="1">
+          <a:gsLst>
+            <a:gs pos="0">
+              <a:schemeClr val="phClr">
+                <a:tint val="100000"/>
+                <a:shade val="100000"/>
+                <a:satMod val="130000"/>
+              </a:schemeClr>
+            </a:gs>
+            <a:gs pos="100000">
+              <a:schemeClr val="phClr">
+                <a:tint val="50000"/>
+                <a:shade val="100000"/>
+                <a:satMod val="350000"/>
+              </a:schemeClr>
+            </a:gs>
+          </a:gsLst>
+          <a:lin ang="16200000" scaled="0"/>
+        </a:gradFill>
+      </a:fillStyleLst>
+      <a:lnStyleLst>
+        <a:ln w="9525" cap="flat" cmpd="sng" algn="ctr">
+          <a:solidFill>
+            <a:schemeClr val="phClr">
+              <a:shade val="95000"/>
+              <a:satMod val="105000"/>
+            </a:schemeClr>
+          </a:solidFill>
+          <a:prstDash val="solid"/>
+        </a:ln>
+        <a:ln w="25400" cap="flat" cmpd="sng" algn="ctr">
+          <a:solidFill>
+            <a:schemeClr val="phClr"/>
+          </a:solidFill>
+          <a:prstDash val="solid"/>
+        </a:ln>
+        <a:ln w="38100" cap="flat" cmpd="sng" algn="ctr">
+          <a:solidFill>
+            <a:schemeClr val="phClr"/>
+          </a:solidFill>
+          <a:prstDash val="solid"/>
+        </a:ln>
+      </a:lnStyleLst>
+      <a:effectStyleLst>
+        <a:effectStyle>
+          <a:effectLst>
+            <a:outerShdw blurRad="40000" dist="20000" dir="5400000" rotWithShape="0">
+              <a:srgbClr val="000000">
+                <a:alpha val="38000"/>
+              </a:srgbClr>
+            </a:outerShdw>
+          </a:effectLst>
+        </a:effectStyle>
+        <a:effectStyle>
+          <a:effectLst>
+            <a:outerShdw blurRad="40000" dist="23000" dir="5400000" rotWithShape="0">
+              <a:srgbClr val="000000">
+                <a:alpha val="35000"/>
+              </a:srgbClr>
+            </a:outerShdw>
+          </a:effectLst>
+        </a:effectStyle>
+        <a:effectStyle>
+          <a:effectLst>
+            <a:outerShdw blurRad="40000" dist="23000" dir="5400000" rotWithShape="0">
+              <a:srgbClr val="000000">
+                <a:alpha val="35000"/>
+              </a:srgbClr>
+            </a:outerShdw>
+          </a:effectLst>
+          <a:scene3d>
+            <a:camera prst="orthographicFront">
+              <a:rot lat="0" lon="0" rev="0"/>
+            </a:camera>
+            <a:lightRig rig="threePt" dir="t">
+              <a:rot lat="0" lon="0" rev="1200000"/>
+            </a:lightRig>
+          </a:scene3d>
+          <a:sp3d>
+            <a:bevelT w="63500" h="25400"/>
+          </a:sp3d>
+        </a:effectStyle>
+      </a:effectStyleLst>
+      <a:bgFillStyleLst>
+        <a:solidFill>
+          <a:schemeClr val="phClr"/>
+        </a:solidFill>
+        <a:gradFill rotWithShape="1">
+          <a:gsLst>
+            <a:gs pos="0">
+              <a:schemeClr val="phClr">
+                <a:tint val="40000"/>
+                <a:satMod val="350000"/>
+              </a:schemeClr>
+            </a:gs>
+            <a:gs pos="40000">
+              <a:schemeClr val="phClr">
+                <a:tint val="45000"/>
+                <a:shade val="99000"/>
+                <a:satMod val="350000"/>
+              </a:schemeClr>
+            </a:gs>
+            <a:gs pos="100000">
+              <a:schemeClr val="phClr">
+                <a:shade val="20000"/>
+                <a:satMod val="255000"/>
+              </a:schemeClr>
+            </a:gs>
+          </a:gsLst>
+          <a:path path="circle">
+            <a:fillToRect l="50000" t="-80000" r="50000" b="180000"/>
+          </a:path>
+        </a:gradFill>
+        <a:gradFill rotWithShape="1">
+          <a:gsLst>
+            <a:gs pos="0">
+              <a:schemeClr val="phClr">
+                <a:tint val="80000"/>
+                <a:satMod val="300000"/>
+              </a:schemeClr>
+            </a:gs>
+            <a:gs pos="100000">
+              <a:schemeClr val="phClr">
+                <a:shade val="30000"/>
+                <a:satMod val="200000"/>
+              </a:schemeClr>
+            </a:gs>
+          </a:gsLst>
+          <a:path path="circle">
+            <a:fillToRect l="50000" t="50000" r="50000" b="50000"/>
+          </a:path>
+        </a:gradFill>
+      </a:bgFillStyleLst>
+    </a:fmtScheme>
+  </a:themeElements>
+</a:theme>
+</file>
+
+<file path=ppt/theme/theme2.xml><?xml version="1.0" encoding="utf-8"?>
 <a:theme xmlns:a="http://schemas.openxmlformats.org/drawingml/2006/main" xmlns:r="http://schemas.openxmlformats.org/officeDocument/2006/relationships" name="Simple Dark">
   <a:themeElements>
     <a:clrScheme name="Simple Dark">
@@ -7298,283 +9223,4 @@
     </a:fmtScheme>
   </a:themeElements>
 </a:theme>
-</file>
-
-<file path=ppt/theme/theme2.xml><?xml version="1.0" encoding="utf-8"?>
-<a:theme xmlns:a="http://schemas.openxmlformats.org/drawingml/2006/main" xmlns:r="http://schemas.openxmlformats.org/officeDocument/2006/relationships">
-  <a:themeElements>
-    <a:clrScheme name="Default">
-      <a:dk1>
-        <a:srgbClr val="000000"/>
-      </a:dk1>
-      <a:lt1>
-        <a:srgbClr val="FFFFFF"/>
-      </a:lt1>
-      <a:dk2>
-        <a:srgbClr val="158158"/>
-      </a:dk2>
-      <a:lt2>
-        <a:srgbClr val="F3F3F3"/>
-      </a:lt2>
-      <a:accent1>
-        <a:srgbClr val="058DC7"/>
-      </a:accent1>
-      <a:accent2>
-        <a:srgbClr val="50B432"/>
-      </a:accent2>
-      <a:accent3>
-        <a:srgbClr val="ED561B"/>
-      </a:accent3>
-      <a:accent4>
-        <a:srgbClr val="EDEF00"/>
-      </a:accent4>
-      <a:accent5>
-        <a:srgbClr val="24CBE5"/>
-      </a:accent5>
-      <a:accent6>
-        <a:srgbClr val="64E572"/>
-      </a:accent6>
-      <a:hlink>
-        <a:srgbClr val="2200CC"/>
-      </a:hlink>
-      <a:folHlink>
-        <a:srgbClr val="551A8B"/>
-      </a:folHlink>
-    </a:clrScheme>
-    <a:fontScheme name="Office">
-      <a:majorFont>
-        <a:latin typeface="Arial"/>
-        <a:ea typeface=""/>
-        <a:cs typeface=""/>
-        <a:font script="Jpan" typeface="ＭＳ Ｐゴシック"/>
-        <a:font script="Hang" typeface="맑은 고딕"/>
-        <a:font script="Hans" typeface="宋体"/>
-        <a:font script="Hant" typeface="新細明體"/>
-        <a:font script="Arab" typeface="Times New Roman"/>
-        <a:font script="Hebr" typeface="Times New Roman"/>
-        <a:font script="Thai" typeface="Angsana New"/>
-        <a:font script="Ethi" typeface="Nyala"/>
-        <a:font script="Beng" typeface="Vrinda"/>
-        <a:font script="Gujr" typeface="Shruti"/>
-        <a:font script="Khmr" typeface="MoolBoran"/>
-        <a:font script="Knda" typeface="Tunga"/>
-        <a:font script="Guru" typeface="Raavi"/>
-        <a:font script="Cans" typeface="Euphemia"/>
-        <a:font script="Cher" typeface="Plantagenet Cherokee"/>
-        <a:font script="Yiii" typeface="Microsoft Yi Baiti"/>
-        <a:font script="Tibt" typeface="Microsoft Himalaya"/>
-        <a:font script="Thaa" typeface="MV Boli"/>
-        <a:font script="Deva" typeface="Mangal"/>
-        <a:font script="Telu" typeface="Gautami"/>
-        <a:font script="Taml" typeface="Latha"/>
-        <a:font script="Syrc" typeface="Estrangelo Edessa"/>
-        <a:font script="Orya" typeface="Kalinga"/>
-        <a:font script="Mlym" typeface="Kartika"/>
-        <a:font script="Laoo" typeface="DokChampa"/>
-        <a:font script="Sinh" typeface="Iskoola Pota"/>
-        <a:font script="Mong" typeface="Mongolian Baiti"/>
-        <a:font script="Viet" typeface="Times New Roman"/>
-        <a:font script="Uigh" typeface="Microsoft Uighur"/>
-        <a:font script="Geor" typeface="Sylfaen"/>
-      </a:majorFont>
-      <a:minorFont>
-        <a:latin typeface="Arial"/>
-        <a:ea typeface=""/>
-        <a:cs typeface=""/>
-        <a:font script="Jpan" typeface="ＭＳ Ｐゴシック"/>
-        <a:font script="Hang" typeface="맑은 고딕"/>
-        <a:font script="Hans" typeface="宋体"/>
-        <a:font script="Hant" typeface="新細明體"/>
-        <a:font script="Arab" typeface="Arial"/>
-        <a:font script="Hebr" typeface="Arial"/>
-        <a:font script="Thai" typeface="Cordia New"/>
-        <a:font script="Ethi" typeface="Nyala"/>
-        <a:font script="Beng" typeface="Vrinda"/>
-        <a:font script="Gujr" typeface="Shruti"/>
-        <a:font script="Khmr" typeface="DaunPenh"/>
-        <a:font script="Knda" typeface="Tunga"/>
-        <a:font script="Guru" typeface="Raavi"/>
-        <a:font script="Cans" typeface="Euphemia"/>
-        <a:font script="Cher" typeface="Plantagenet Cherokee"/>
-        <a:font script="Yiii" typeface="Microsoft Yi Baiti"/>
-        <a:font script="Tibt" typeface="Microsoft Himalaya"/>
-        <a:font script="Thaa" typeface="MV Boli"/>
-        <a:font script="Deva" typeface="Mangal"/>
-        <a:font script="Telu" typeface="Gautami"/>
-        <a:font script="Taml" typeface="Latha"/>
-        <a:font script="Syrc" typeface="Estrangelo Edessa"/>
-        <a:font script="Orya" typeface="Kalinga"/>
-        <a:font script="Mlym" typeface="Kartika"/>
-        <a:font script="Laoo" typeface="DokChampa"/>
-        <a:font script="Sinh" typeface="Iskoola Pota"/>
-        <a:font script="Mong" typeface="Mongolian Baiti"/>
-        <a:font script="Viet" typeface="Arial"/>
-        <a:font script="Uigh" typeface="Microsoft Uighur"/>
-        <a:font script="Geor" typeface="Sylfaen"/>
-      </a:minorFont>
-    </a:fontScheme>
-    <a:fmtScheme name="Office">
-      <a:fillStyleLst>
-        <a:solidFill>
-          <a:schemeClr val="phClr"/>
-        </a:solidFill>
-        <a:gradFill rotWithShape="1">
-          <a:gsLst>
-            <a:gs pos="0">
-              <a:schemeClr val="phClr">
-                <a:tint val="50000"/>
-                <a:satMod val="300000"/>
-              </a:schemeClr>
-            </a:gs>
-            <a:gs pos="35000">
-              <a:schemeClr val="phClr">
-                <a:tint val="37000"/>
-                <a:satMod val="300000"/>
-              </a:schemeClr>
-            </a:gs>
-            <a:gs pos="100000">
-              <a:schemeClr val="phClr">
-                <a:tint val="15000"/>
-                <a:satMod val="350000"/>
-              </a:schemeClr>
-            </a:gs>
-          </a:gsLst>
-          <a:lin ang="16200000" scaled="1"/>
-        </a:gradFill>
-        <a:gradFill rotWithShape="1">
-          <a:gsLst>
-            <a:gs pos="0">
-              <a:schemeClr val="phClr">
-                <a:tint val="100000"/>
-                <a:shade val="100000"/>
-                <a:satMod val="130000"/>
-              </a:schemeClr>
-            </a:gs>
-            <a:gs pos="100000">
-              <a:schemeClr val="phClr">
-                <a:tint val="50000"/>
-                <a:shade val="100000"/>
-                <a:satMod val="350000"/>
-              </a:schemeClr>
-            </a:gs>
-          </a:gsLst>
-          <a:lin ang="16200000" scaled="0"/>
-        </a:gradFill>
-      </a:fillStyleLst>
-      <a:lnStyleLst>
-        <a:ln w="9525" cap="flat" cmpd="sng" algn="ctr">
-          <a:solidFill>
-            <a:schemeClr val="phClr">
-              <a:shade val="95000"/>
-              <a:satMod val="105000"/>
-            </a:schemeClr>
-          </a:solidFill>
-          <a:prstDash val="solid"/>
-        </a:ln>
-        <a:ln w="25400" cap="flat" cmpd="sng" algn="ctr">
-          <a:solidFill>
-            <a:schemeClr val="phClr"/>
-          </a:solidFill>
-          <a:prstDash val="solid"/>
-        </a:ln>
-        <a:ln w="38100" cap="flat" cmpd="sng" algn="ctr">
-          <a:solidFill>
-            <a:schemeClr val="phClr"/>
-          </a:solidFill>
-          <a:prstDash val="solid"/>
-        </a:ln>
-      </a:lnStyleLst>
-      <a:effectStyleLst>
-        <a:effectStyle>
-          <a:effectLst>
-            <a:outerShdw blurRad="40000" dist="20000" dir="5400000" rotWithShape="0">
-              <a:srgbClr val="000000">
-                <a:alpha val="38000"/>
-              </a:srgbClr>
-            </a:outerShdw>
-          </a:effectLst>
-        </a:effectStyle>
-        <a:effectStyle>
-          <a:effectLst>
-            <a:outerShdw blurRad="40000" dist="23000" dir="5400000" rotWithShape="0">
-              <a:srgbClr val="000000">
-                <a:alpha val="35000"/>
-              </a:srgbClr>
-            </a:outerShdw>
-          </a:effectLst>
-        </a:effectStyle>
-        <a:effectStyle>
-          <a:effectLst>
-            <a:outerShdw blurRad="40000" dist="23000" dir="5400000" rotWithShape="0">
-              <a:srgbClr val="000000">
-                <a:alpha val="35000"/>
-              </a:srgbClr>
-            </a:outerShdw>
-          </a:effectLst>
-          <a:scene3d>
-            <a:camera prst="orthographicFront">
-              <a:rot lat="0" lon="0" rev="0"/>
-            </a:camera>
-            <a:lightRig rig="threePt" dir="t">
-              <a:rot lat="0" lon="0" rev="1200000"/>
-            </a:lightRig>
-          </a:scene3d>
-          <a:sp3d>
-            <a:bevelT w="63500" h="25400"/>
-          </a:sp3d>
-        </a:effectStyle>
-      </a:effectStyleLst>
-      <a:bgFillStyleLst>
-        <a:solidFill>
-          <a:schemeClr val="phClr"/>
-        </a:solidFill>
-        <a:gradFill rotWithShape="1">
-          <a:gsLst>
-            <a:gs pos="0">
-              <a:schemeClr val="phClr">
-                <a:tint val="40000"/>
-                <a:satMod val="350000"/>
-              </a:schemeClr>
-            </a:gs>
-            <a:gs pos="40000">
-              <a:schemeClr val="phClr">
-                <a:tint val="45000"/>
-                <a:shade val="99000"/>
-                <a:satMod val="350000"/>
-              </a:schemeClr>
-            </a:gs>
-            <a:gs pos="100000">
-              <a:schemeClr val="phClr">
-                <a:shade val="20000"/>
-                <a:satMod val="255000"/>
-              </a:schemeClr>
-            </a:gs>
-          </a:gsLst>
-          <a:path path="circle">
-            <a:fillToRect l="50000" t="-80000" r="50000" b="180000"/>
-          </a:path>
-        </a:gradFill>
-        <a:gradFill rotWithShape="1">
-          <a:gsLst>
-            <a:gs pos="0">
-              <a:schemeClr val="phClr">
-                <a:tint val="80000"/>
-                <a:satMod val="300000"/>
-              </a:schemeClr>
-            </a:gs>
-            <a:gs pos="100000">
-              <a:schemeClr val="phClr">
-                <a:shade val="30000"/>
-                <a:satMod val="200000"/>
-              </a:schemeClr>
-            </a:gs>
-          </a:gsLst>
-          <a:path path="circle">
-            <a:fillToRect l="50000" t="50000" r="50000" b="50000"/>
-          </a:path>
-        </a:gradFill>
-      </a:bgFillStyleLst>
-    </a:fmtScheme>
-  </a:themeElements>
-</a:theme>
 </file>